--- a/Material Teorico/Clase_17_Javascript_DOM_Eventos/17. Javascript - DOM y Eventos.pptx
+++ b/Material Teorico/Clase_17_Javascript_DOM_Eventos/17. Javascript - DOM y Eventos.pptx
@@ -836,7 +836,7 @@
   <p:cSld>
     <p:spTree>
       <p:nvGrpSpPr>
-        <p:cNvPr id="225" name="Shape 225"/>
+        <p:cNvPr id="223" name="Shape 223"/>
         <p:cNvGrpSpPr/>
         <p:nvPr/>
       </p:nvGrpSpPr>
@@ -850,7 +850,7 @@
       </p:grpSpPr>
       <p:sp>
         <p:nvSpPr>
-          <p:cNvPr id="226" name="Google Shape;226;g140e1d52a64_0_64:notes"/>
+          <p:cNvPr id="224" name="Google Shape;224;g140e1d52a64_0_64:notes"/>
           <p:cNvSpPr/>
           <p:nvPr>
             <p:ph idx="2" type="sldImg"/>
@@ -885,7 +885,7 @@
       </p:sp>
       <p:sp>
         <p:nvSpPr>
-          <p:cNvPr id="227" name="Google Shape;227;g140e1d52a64_0_64:notes"/>
+          <p:cNvPr id="225" name="Google Shape;225;g140e1d52a64_0_64:notes"/>
           <p:cNvSpPr txBox="1"/>
           <p:nvPr>
             <p:ph idx="1" type="body"/>
@@ -935,7 +935,7 @@
   <p:cSld>
     <p:spTree>
       <p:nvGrpSpPr>
-        <p:cNvPr id="242" name="Shape 242"/>
+        <p:cNvPr id="240" name="Shape 240"/>
         <p:cNvGrpSpPr/>
         <p:nvPr/>
       </p:nvGrpSpPr>
@@ -949,7 +949,7 @@
       </p:grpSpPr>
       <p:sp>
         <p:nvSpPr>
-          <p:cNvPr id="243" name="Google Shape;243;g140e1d52a64_0_133:notes"/>
+          <p:cNvPr id="241" name="Google Shape;241;g140e1d52a64_0_133:notes"/>
           <p:cNvSpPr/>
           <p:nvPr>
             <p:ph idx="2" type="sldImg"/>
@@ -984,7 +984,7 @@
       </p:sp>
       <p:sp>
         <p:nvSpPr>
-          <p:cNvPr id="244" name="Google Shape;244;g140e1d52a64_0_133:notes"/>
+          <p:cNvPr id="242" name="Google Shape;242;g140e1d52a64_0_133:notes"/>
           <p:cNvSpPr txBox="1"/>
           <p:nvPr>
             <p:ph idx="1" type="body"/>
@@ -1034,7 +1034,7 @@
   <p:cSld>
     <p:spTree>
       <p:nvGrpSpPr>
-        <p:cNvPr id="251" name="Shape 251"/>
+        <p:cNvPr id="249" name="Shape 249"/>
         <p:cNvGrpSpPr/>
         <p:nvPr/>
       </p:nvGrpSpPr>
@@ -1048,7 +1048,7 @@
       </p:grpSpPr>
       <p:sp>
         <p:nvSpPr>
-          <p:cNvPr id="252" name="Google Shape;252;g140e1d52a64_0_87:notes"/>
+          <p:cNvPr id="250" name="Google Shape;250;g140e1d52a64_0_87:notes"/>
           <p:cNvSpPr/>
           <p:nvPr>
             <p:ph idx="2" type="sldImg"/>
@@ -1083,7 +1083,7 @@
       </p:sp>
       <p:sp>
         <p:nvSpPr>
-          <p:cNvPr id="253" name="Google Shape;253;g140e1d52a64_0_87:notes"/>
+          <p:cNvPr id="251" name="Google Shape;251;g140e1d52a64_0_87:notes"/>
           <p:cNvSpPr txBox="1"/>
           <p:nvPr>
             <p:ph idx="1" type="body"/>
@@ -1133,7 +1133,7 @@
   <p:cSld>
     <p:spTree>
       <p:nvGrpSpPr>
-        <p:cNvPr id="276" name="Shape 276"/>
+        <p:cNvPr id="274" name="Shape 274"/>
         <p:cNvGrpSpPr/>
         <p:nvPr/>
       </p:nvGrpSpPr>
@@ -1147,7 +1147,7 @@
       </p:grpSpPr>
       <p:sp>
         <p:nvSpPr>
-          <p:cNvPr id="277" name="Google Shape;277;g139a00bb0e7_0_35:notes"/>
+          <p:cNvPr id="275" name="Google Shape;275;g139a00bb0e7_0_35:notes"/>
           <p:cNvSpPr/>
           <p:nvPr>
             <p:ph idx="2" type="sldImg"/>
@@ -1182,7 +1182,7 @@
       </p:sp>
       <p:sp>
         <p:nvSpPr>
-          <p:cNvPr id="278" name="Google Shape;278;g139a00bb0e7_0_35:notes"/>
+          <p:cNvPr id="276" name="Google Shape;276;g139a00bb0e7_0_35:notes"/>
           <p:cNvSpPr txBox="1"/>
           <p:nvPr>
             <p:ph idx="1" type="body"/>
@@ -1232,7 +1232,7 @@
   <p:cSld>
     <p:spTree>
       <p:nvGrpSpPr>
-        <p:cNvPr id="282" name="Shape 282"/>
+        <p:cNvPr id="280" name="Shape 280"/>
         <p:cNvGrpSpPr/>
         <p:nvPr/>
       </p:nvGrpSpPr>
@@ -1246,7 +1246,7 @@
       </p:grpSpPr>
       <p:sp>
         <p:nvSpPr>
-          <p:cNvPr id="283" name="Google Shape;283;g1409f266355_0_51:notes"/>
+          <p:cNvPr id="281" name="Google Shape;281;g1409f266355_0_51:notes"/>
           <p:cNvSpPr/>
           <p:nvPr>
             <p:ph idx="2" type="sldImg"/>
@@ -1281,7 +1281,7 @@
       </p:sp>
       <p:sp>
         <p:nvSpPr>
-          <p:cNvPr id="284" name="Google Shape;284;g1409f266355_0_51:notes"/>
+          <p:cNvPr id="282" name="Google Shape;282;g1409f266355_0_51:notes"/>
           <p:cNvSpPr txBox="1"/>
           <p:nvPr>
             <p:ph idx="1" type="body"/>
@@ -1331,7 +1331,7 @@
   <p:cSld>
     <p:spTree>
       <p:nvGrpSpPr>
-        <p:cNvPr id="294" name="Shape 294"/>
+        <p:cNvPr id="292" name="Shape 292"/>
         <p:cNvGrpSpPr/>
         <p:nvPr/>
       </p:nvGrpSpPr>
@@ -1345,7 +1345,7 @@
       </p:grpSpPr>
       <p:sp>
         <p:nvSpPr>
-          <p:cNvPr id="295" name="Google Shape;295;g140e1d52a64_0_153:notes"/>
+          <p:cNvPr id="293" name="Google Shape;293;g140e1d52a64_0_153:notes"/>
           <p:cNvSpPr/>
           <p:nvPr>
             <p:ph idx="2" type="sldImg"/>
@@ -1380,7 +1380,7 @@
       </p:sp>
       <p:sp>
         <p:nvSpPr>
-          <p:cNvPr id="296" name="Google Shape;296;g140e1d52a64_0_153:notes"/>
+          <p:cNvPr id="294" name="Google Shape;294;g140e1d52a64_0_153:notes"/>
           <p:cNvSpPr txBox="1"/>
           <p:nvPr>
             <p:ph idx="1" type="body"/>
@@ -1430,7 +1430,7 @@
   <p:cSld>
     <p:spTree>
       <p:nvGrpSpPr>
-        <p:cNvPr id="321" name="Shape 321"/>
+        <p:cNvPr id="319" name="Shape 319"/>
         <p:cNvGrpSpPr/>
         <p:nvPr/>
       </p:nvGrpSpPr>
@@ -1444,7 +1444,7 @@
       </p:grpSpPr>
       <p:sp>
         <p:nvSpPr>
-          <p:cNvPr id="322" name="Google Shape;322;g140e43bc855_0_28:notes"/>
+          <p:cNvPr id="320" name="Google Shape;320;g140e43bc855_0_28:notes"/>
           <p:cNvSpPr/>
           <p:nvPr>
             <p:ph idx="2" type="sldImg"/>
@@ -1479,7 +1479,7 @@
       </p:sp>
       <p:sp>
         <p:nvSpPr>
-          <p:cNvPr id="323" name="Google Shape;323;g140e43bc855_0_28:notes"/>
+          <p:cNvPr id="321" name="Google Shape;321;g140e43bc855_0_28:notes"/>
           <p:cNvSpPr txBox="1"/>
           <p:nvPr>
             <p:ph idx="1" type="body"/>
@@ -1529,7 +1529,7 @@
   <p:cSld>
     <p:spTree>
       <p:nvGrpSpPr>
-        <p:cNvPr id="327" name="Shape 327"/>
+        <p:cNvPr id="325" name="Shape 325"/>
         <p:cNvGrpSpPr/>
         <p:nvPr/>
       </p:nvGrpSpPr>
@@ -1543,7 +1543,7 @@
       </p:grpSpPr>
       <p:sp>
         <p:nvSpPr>
-          <p:cNvPr id="328" name="Google Shape;328;g13fa872340e_1_68:notes"/>
+          <p:cNvPr id="326" name="Google Shape;326;g13fa872340e_1_68:notes"/>
           <p:cNvSpPr/>
           <p:nvPr>
             <p:ph idx="2" type="sldImg"/>
@@ -1578,7 +1578,7 @@
       </p:sp>
       <p:sp>
         <p:nvSpPr>
-          <p:cNvPr id="329" name="Google Shape;329;g13fa872340e_1_68:notes"/>
+          <p:cNvPr id="327" name="Google Shape;327;g13fa872340e_1_68:notes"/>
           <p:cNvSpPr txBox="1"/>
           <p:nvPr>
             <p:ph idx="1" type="body"/>
@@ -1628,7 +1628,7 @@
   <p:cSld>
     <p:spTree>
       <p:nvGrpSpPr>
-        <p:cNvPr id="332" name="Shape 332"/>
+        <p:cNvPr id="330" name="Shape 330"/>
         <p:cNvGrpSpPr/>
         <p:nvPr/>
       </p:nvGrpSpPr>
@@ -1642,7 +1642,7 @@
       </p:grpSpPr>
       <p:sp>
         <p:nvSpPr>
-          <p:cNvPr id="333" name="Google Shape;333;g13fa872340e_1_106:notes"/>
+          <p:cNvPr id="331" name="Google Shape;331;g13fa872340e_1_106:notes"/>
           <p:cNvSpPr/>
           <p:nvPr>
             <p:ph idx="2" type="sldImg"/>
@@ -1677,7 +1677,7 @@
       </p:sp>
       <p:sp>
         <p:nvSpPr>
-          <p:cNvPr id="334" name="Google Shape;334;g13fa872340e_1_106:notes"/>
+          <p:cNvPr id="332" name="Google Shape;332;g13fa872340e_1_106:notes"/>
           <p:cNvSpPr txBox="1"/>
           <p:nvPr>
             <p:ph idx="1" type="body"/>
@@ -1727,7 +1727,7 @@
   <p:cSld>
     <p:spTree>
       <p:nvGrpSpPr>
-        <p:cNvPr id="337" name="Shape 337"/>
+        <p:cNvPr id="335" name="Shape 335"/>
         <p:cNvGrpSpPr/>
         <p:nvPr/>
       </p:nvGrpSpPr>
@@ -1741,7 +1741,7 @@
       </p:grpSpPr>
       <p:sp>
         <p:nvSpPr>
-          <p:cNvPr id="338" name="Google Shape;338;g1406688a437_0_208:notes"/>
+          <p:cNvPr id="336" name="Google Shape;336;g1406688a437_0_208:notes"/>
           <p:cNvSpPr/>
           <p:nvPr>
             <p:ph idx="2" type="sldImg"/>
@@ -1776,7 +1776,7 @@
       </p:sp>
       <p:sp>
         <p:nvSpPr>
-          <p:cNvPr id="339" name="Google Shape;339;g1406688a437_0_208:notes"/>
+          <p:cNvPr id="337" name="Google Shape;337;g1406688a437_0_208:notes"/>
           <p:cNvSpPr txBox="1"/>
           <p:nvPr>
             <p:ph idx="1" type="body"/>
@@ -2024,7 +2024,7 @@
   <p:cSld>
     <p:spTree>
       <p:nvGrpSpPr>
-        <p:cNvPr id="168" name="Shape 168"/>
+        <p:cNvPr id="166" name="Shape 166"/>
         <p:cNvGrpSpPr/>
         <p:nvPr/>
       </p:nvGrpSpPr>
@@ -2038,7 +2038,7 @@
       </p:grpSpPr>
       <p:sp>
         <p:nvSpPr>
-          <p:cNvPr id="169" name="Google Shape;169;g13fa872340e_1_40:notes"/>
+          <p:cNvPr id="167" name="Google Shape;167;g13fa872340e_1_40:notes"/>
           <p:cNvSpPr/>
           <p:nvPr>
             <p:ph idx="2" type="sldImg"/>
@@ -2073,7 +2073,7 @@
       </p:sp>
       <p:sp>
         <p:nvSpPr>
-          <p:cNvPr id="170" name="Google Shape;170;g13fa872340e_1_40:notes"/>
+          <p:cNvPr id="168" name="Google Shape;168;g13fa872340e_1_40:notes"/>
           <p:cNvSpPr txBox="1"/>
           <p:nvPr>
             <p:ph idx="1" type="body"/>
@@ -2123,7 +2123,7 @@
   <p:cSld>
     <p:spTree>
       <p:nvGrpSpPr>
-        <p:cNvPr id="175" name="Shape 175"/>
+        <p:cNvPr id="173" name="Shape 173"/>
         <p:cNvGrpSpPr/>
         <p:nvPr/>
       </p:nvGrpSpPr>
@@ -2137,7 +2137,7 @@
       </p:grpSpPr>
       <p:sp>
         <p:nvSpPr>
-          <p:cNvPr id="176" name="Google Shape;176;g13fa872340e_1_31:notes"/>
+          <p:cNvPr id="174" name="Google Shape;174;g13fa872340e_1_31:notes"/>
           <p:cNvSpPr/>
           <p:nvPr>
             <p:ph idx="2" type="sldImg"/>
@@ -2172,7 +2172,7 @@
       </p:sp>
       <p:sp>
         <p:nvSpPr>
-          <p:cNvPr id="177" name="Google Shape;177;g13fa872340e_1_31:notes"/>
+          <p:cNvPr id="175" name="Google Shape;175;g13fa872340e_1_31:notes"/>
           <p:cNvSpPr txBox="1"/>
           <p:nvPr>
             <p:ph idx="1" type="body"/>
@@ -2222,7 +2222,7 @@
   <p:cSld>
     <p:spTree>
       <p:nvGrpSpPr>
-        <p:cNvPr id="181" name="Shape 181"/>
+        <p:cNvPr id="179" name="Shape 179"/>
         <p:cNvGrpSpPr/>
         <p:nvPr/>
       </p:nvGrpSpPr>
@@ -2236,7 +2236,7 @@
       </p:grpSpPr>
       <p:sp>
         <p:nvSpPr>
-          <p:cNvPr id="182" name="Google Shape;182;g139c86a9369_0_0:notes"/>
+          <p:cNvPr id="180" name="Google Shape;180;g139c86a9369_0_0:notes"/>
           <p:cNvSpPr/>
           <p:nvPr>
             <p:ph idx="2" type="sldImg"/>
@@ -2271,7 +2271,7 @@
       </p:sp>
       <p:sp>
         <p:nvSpPr>
-          <p:cNvPr id="183" name="Google Shape;183;g139c86a9369_0_0:notes"/>
+          <p:cNvPr id="181" name="Google Shape;181;g139c86a9369_0_0:notes"/>
           <p:cNvSpPr txBox="1"/>
           <p:nvPr>
             <p:ph idx="1" type="body"/>
@@ -2321,7 +2321,7 @@
   <p:cSld>
     <p:spTree>
       <p:nvGrpSpPr>
-        <p:cNvPr id="188" name="Shape 188"/>
+        <p:cNvPr id="186" name="Shape 186"/>
         <p:cNvGrpSpPr/>
         <p:nvPr/>
       </p:nvGrpSpPr>
@@ -2335,7 +2335,7 @@
       </p:grpSpPr>
       <p:sp>
         <p:nvSpPr>
-          <p:cNvPr id="189" name="Google Shape;189;g1409f266355_0_41:notes"/>
+          <p:cNvPr id="187" name="Google Shape;187;g1409f266355_0_41:notes"/>
           <p:cNvSpPr/>
           <p:nvPr>
             <p:ph idx="2" type="sldImg"/>
@@ -2370,7 +2370,7 @@
       </p:sp>
       <p:sp>
         <p:nvSpPr>
-          <p:cNvPr id="190" name="Google Shape;190;g1409f266355_0_41:notes"/>
+          <p:cNvPr id="188" name="Google Shape;188;g1409f266355_0_41:notes"/>
           <p:cNvSpPr txBox="1"/>
           <p:nvPr>
             <p:ph idx="1" type="body"/>
@@ -2420,7 +2420,7 @@
   <p:cSld>
     <p:spTree>
       <p:nvGrpSpPr>
-        <p:cNvPr id="208" name="Shape 208"/>
+        <p:cNvPr id="206" name="Shape 206"/>
         <p:cNvGrpSpPr/>
         <p:nvPr/>
       </p:nvGrpSpPr>
@@ -2434,7 +2434,7 @@
       </p:grpSpPr>
       <p:sp>
         <p:nvSpPr>
-          <p:cNvPr id="209" name="Google Shape;209;g140e1d52a64_0_22:notes"/>
+          <p:cNvPr id="207" name="Google Shape;207;g140e1d52a64_0_22:notes"/>
           <p:cNvSpPr/>
           <p:nvPr>
             <p:ph idx="2" type="sldImg"/>
@@ -2469,7 +2469,7 @@
       </p:sp>
       <p:sp>
         <p:nvSpPr>
-          <p:cNvPr id="210" name="Google Shape;210;g140e1d52a64_0_22:notes"/>
+          <p:cNvPr id="208" name="Google Shape;208;g140e1d52a64_0_22:notes"/>
           <p:cNvSpPr txBox="1"/>
           <p:nvPr>
             <p:ph idx="1" type="body"/>
@@ -2519,7 +2519,7 @@
   <p:cSld>
     <p:spTree>
       <p:nvGrpSpPr>
-        <p:cNvPr id="216" name="Shape 216"/>
+        <p:cNvPr id="214" name="Shape 214"/>
         <p:cNvGrpSpPr/>
         <p:nvPr/>
       </p:nvGrpSpPr>
@@ -2533,7 +2533,7 @@
       </p:grpSpPr>
       <p:sp>
         <p:nvSpPr>
-          <p:cNvPr id="217" name="Google Shape;217;g140e1d52a64_0_46:notes"/>
+          <p:cNvPr id="215" name="Google Shape;215;g140e1d52a64_0_46:notes"/>
           <p:cNvSpPr/>
           <p:nvPr>
             <p:ph idx="2" type="sldImg"/>
@@ -2568,7 +2568,7 @@
       </p:sp>
       <p:sp>
         <p:nvSpPr>
-          <p:cNvPr id="218" name="Google Shape;218;g140e1d52a64_0_46:notes"/>
+          <p:cNvPr id="216" name="Google Shape;216;g140e1d52a64_0_46:notes"/>
           <p:cNvSpPr txBox="1"/>
           <p:nvPr>
             <p:ph idx="1" type="body"/>
@@ -12532,7 +12532,7 @@
   <p:cSld>
     <p:spTree>
       <p:nvGrpSpPr>
-        <p:cNvPr id="228" name="Shape 228"/>
+        <p:cNvPr id="226" name="Shape 226"/>
         <p:cNvGrpSpPr/>
         <p:nvPr/>
       </p:nvGrpSpPr>
@@ -12546,7 +12546,7 @@
       </p:grpSpPr>
       <p:sp>
         <p:nvSpPr>
-          <p:cNvPr id="229" name="Google Shape;229;p25"/>
+          <p:cNvPr id="227" name="Google Shape;227;p25"/>
           <p:cNvSpPr txBox="1"/>
           <p:nvPr>
             <p:ph type="title"/>
@@ -12586,7 +12586,7 @@
       </p:sp>
       <p:sp>
         <p:nvSpPr>
-          <p:cNvPr id="230" name="Google Shape;230;p25"/>
+          <p:cNvPr id="228" name="Google Shape;228;p25"/>
           <p:cNvSpPr/>
           <p:nvPr/>
         </p:nvSpPr>
@@ -12635,7 +12635,7 @@
       </p:sp>
       <p:sp>
         <p:nvSpPr>
-          <p:cNvPr id="231" name="Google Shape;231;p25"/>
+          <p:cNvPr id="229" name="Google Shape;229;p25"/>
           <p:cNvSpPr/>
           <p:nvPr/>
         </p:nvSpPr>
@@ -12684,7 +12684,7 @@
       </p:sp>
       <p:sp>
         <p:nvSpPr>
-          <p:cNvPr id="232" name="Google Shape;232;p25"/>
+          <p:cNvPr id="230" name="Google Shape;230;p25"/>
           <p:cNvSpPr txBox="1"/>
           <p:nvPr>
             <p:ph idx="1" type="body"/>
@@ -12759,7 +12759,7 @@
       </p:sp>
       <p:sp>
         <p:nvSpPr>
-          <p:cNvPr id="233" name="Google Shape;233;p25"/>
+          <p:cNvPr id="231" name="Google Shape;231;p25"/>
           <p:cNvSpPr/>
           <p:nvPr/>
         </p:nvSpPr>
@@ -12808,7 +12808,7 @@
       </p:sp>
       <p:sp>
         <p:nvSpPr>
-          <p:cNvPr id="234" name="Google Shape;234;p25"/>
+          <p:cNvPr id="232" name="Google Shape;232;p25"/>
           <p:cNvSpPr/>
           <p:nvPr/>
         </p:nvSpPr>
@@ -12857,7 +12857,7 @@
       </p:sp>
       <p:sp>
         <p:nvSpPr>
-          <p:cNvPr id="235" name="Google Shape;235;p25"/>
+          <p:cNvPr id="233" name="Google Shape;233;p25"/>
           <p:cNvSpPr txBox="1"/>
           <p:nvPr>
             <p:ph idx="1" type="body"/>
@@ -12936,7 +12936,7 @@
       </p:sp>
       <p:sp>
         <p:nvSpPr>
-          <p:cNvPr id="236" name="Google Shape;236;p25"/>
+          <p:cNvPr id="234" name="Google Shape;234;p25"/>
           <p:cNvSpPr/>
           <p:nvPr/>
         </p:nvSpPr>
@@ -12985,7 +12985,7 @@
       </p:sp>
       <p:sp>
         <p:nvSpPr>
-          <p:cNvPr id="237" name="Google Shape;237;p25"/>
+          <p:cNvPr id="235" name="Google Shape;235;p25"/>
           <p:cNvSpPr/>
           <p:nvPr/>
         </p:nvSpPr>
@@ -13034,7 +13034,7 @@
       </p:sp>
       <p:sp>
         <p:nvSpPr>
-          <p:cNvPr id="238" name="Google Shape;238;p25"/>
+          <p:cNvPr id="236" name="Google Shape;236;p25"/>
           <p:cNvSpPr txBox="1"/>
           <p:nvPr>
             <p:ph idx="1" type="body"/>
@@ -13117,7 +13117,7 @@
       </p:sp>
       <p:sp>
         <p:nvSpPr>
-          <p:cNvPr id="239" name="Google Shape;239;p25"/>
+          <p:cNvPr id="237" name="Google Shape;237;p25"/>
           <p:cNvSpPr/>
           <p:nvPr/>
         </p:nvSpPr>
@@ -13166,7 +13166,7 @@
       </p:sp>
       <p:sp>
         <p:nvSpPr>
-          <p:cNvPr id="240" name="Google Shape;240;p25"/>
+          <p:cNvPr id="238" name="Google Shape;238;p25"/>
           <p:cNvSpPr/>
           <p:nvPr/>
         </p:nvSpPr>
@@ -13215,7 +13215,7 @@
       </p:sp>
       <p:sp>
         <p:nvSpPr>
-          <p:cNvPr id="241" name="Google Shape;241;p25"/>
+          <p:cNvPr id="239" name="Google Shape;239;p25"/>
           <p:cNvSpPr txBox="1"/>
           <p:nvPr>
             <p:ph idx="1" type="body"/>
@@ -13301,7 +13301,7 @@
   <p:cSld>
     <p:spTree>
       <p:nvGrpSpPr>
-        <p:cNvPr id="245" name="Shape 245"/>
+        <p:cNvPr id="243" name="Shape 243"/>
         <p:cNvGrpSpPr/>
         <p:nvPr/>
       </p:nvGrpSpPr>
@@ -13315,7 +13315,7 @@
       </p:grpSpPr>
       <p:sp>
         <p:nvSpPr>
-          <p:cNvPr id="246" name="Google Shape;246;p26"/>
+          <p:cNvPr id="244" name="Google Shape;244;p26"/>
           <p:cNvSpPr txBox="1"/>
           <p:nvPr>
             <p:ph type="title"/>
@@ -13355,7 +13355,7 @@
       </p:sp>
       <p:sp>
         <p:nvSpPr>
-          <p:cNvPr id="247" name="Google Shape;247;p26"/>
+          <p:cNvPr id="245" name="Google Shape;245;p26"/>
           <p:cNvSpPr txBox="1"/>
           <p:nvPr>
             <p:ph idx="1" type="body"/>
@@ -13457,7 +13457,7 @@
       </p:sp>
       <p:pic>
         <p:nvPicPr>
-          <p:cNvPr id="248" name="Google Shape;248;p26"/>
+          <p:cNvPr id="246" name="Google Shape;246;p26"/>
           <p:cNvPicPr preferRelativeResize="0"/>
           <p:nvPr/>
         </p:nvPicPr>
@@ -13485,7 +13485,7 @@
       </p:pic>
       <p:pic>
         <p:nvPicPr>
-          <p:cNvPr id="249" name="Google Shape;249;p26"/>
+          <p:cNvPr id="247" name="Google Shape;247;p26"/>
           <p:cNvPicPr preferRelativeResize="0"/>
           <p:nvPr/>
         </p:nvPicPr>
@@ -13512,7 +13512,7 @@
       </p:pic>
       <p:pic>
         <p:nvPicPr>
-          <p:cNvPr id="250" name="Google Shape;250;p26"/>
+          <p:cNvPr id="248" name="Google Shape;248;p26"/>
           <p:cNvPicPr preferRelativeResize="0"/>
           <p:nvPr/>
         </p:nvPicPr>
@@ -13550,7 +13550,7 @@
   <p:cSld>
     <p:spTree>
       <p:nvGrpSpPr>
-        <p:cNvPr id="254" name="Shape 254"/>
+        <p:cNvPr id="252" name="Shape 252"/>
         <p:cNvGrpSpPr/>
         <p:nvPr/>
       </p:nvGrpSpPr>
@@ -13564,7 +13564,7 @@
       </p:grpSpPr>
       <p:sp>
         <p:nvSpPr>
-          <p:cNvPr id="255" name="Google Shape;255;p27"/>
+          <p:cNvPr id="253" name="Google Shape;253;p27"/>
           <p:cNvSpPr txBox="1"/>
           <p:nvPr>
             <p:ph type="title"/>
@@ -13604,7 +13604,7 @@
       </p:sp>
       <p:sp>
         <p:nvSpPr>
-          <p:cNvPr id="256" name="Google Shape;256;p27"/>
+          <p:cNvPr id="254" name="Google Shape;254;p27"/>
           <p:cNvSpPr txBox="1"/>
           <p:nvPr>
             <p:ph idx="1" type="body"/>
@@ -13655,7 +13655,7 @@
       </p:sp>
       <p:sp>
         <p:nvSpPr>
-          <p:cNvPr id="257" name="Google Shape;257;p27"/>
+          <p:cNvPr id="255" name="Google Shape;255;p27"/>
           <p:cNvSpPr/>
           <p:nvPr/>
         </p:nvSpPr>
@@ -13704,7 +13704,7 @@
       </p:sp>
       <p:sp>
         <p:nvSpPr>
-          <p:cNvPr id="258" name="Google Shape;258;p27"/>
+          <p:cNvPr id="256" name="Google Shape;256;p27"/>
           <p:cNvSpPr/>
           <p:nvPr/>
         </p:nvSpPr>
@@ -13753,7 +13753,7 @@
       </p:sp>
       <p:sp>
         <p:nvSpPr>
-          <p:cNvPr id="259" name="Google Shape;259;p27"/>
+          <p:cNvPr id="257" name="Google Shape;257;p27"/>
           <p:cNvSpPr txBox="1"/>
           <p:nvPr>
             <p:ph idx="1" type="body"/>
@@ -13836,7 +13836,7 @@
       </p:sp>
       <p:sp>
         <p:nvSpPr>
-          <p:cNvPr id="260" name="Google Shape;260;p27"/>
+          <p:cNvPr id="258" name="Google Shape;258;p27"/>
           <p:cNvSpPr/>
           <p:nvPr/>
         </p:nvSpPr>
@@ -13885,7 +13885,7 @@
       </p:sp>
       <p:sp>
         <p:nvSpPr>
-          <p:cNvPr id="261" name="Google Shape;261;p27"/>
+          <p:cNvPr id="259" name="Google Shape;259;p27"/>
           <p:cNvSpPr/>
           <p:nvPr/>
         </p:nvSpPr>
@@ -13934,7 +13934,7 @@
       </p:sp>
       <p:sp>
         <p:nvSpPr>
-          <p:cNvPr id="262" name="Google Shape;262;p27"/>
+          <p:cNvPr id="260" name="Google Shape;260;p27"/>
           <p:cNvSpPr txBox="1"/>
           <p:nvPr>
             <p:ph idx="1" type="body"/>
@@ -14021,7 +14021,7 @@
       </p:sp>
       <p:sp>
         <p:nvSpPr>
-          <p:cNvPr id="263" name="Google Shape;263;p27"/>
+          <p:cNvPr id="261" name="Google Shape;261;p27"/>
           <p:cNvSpPr txBox="1"/>
           <p:nvPr>
             <p:ph idx="1" type="body"/>
@@ -14089,7 +14089,7 @@
       </p:sp>
       <p:sp>
         <p:nvSpPr>
-          <p:cNvPr id="264" name="Google Shape;264;p27"/>
+          <p:cNvPr id="262" name="Google Shape;262;p27"/>
           <p:cNvSpPr/>
           <p:nvPr/>
         </p:nvSpPr>
@@ -14138,7 +14138,7 @@
       </p:sp>
       <p:sp>
         <p:nvSpPr>
-          <p:cNvPr id="265" name="Google Shape;265;p27"/>
+          <p:cNvPr id="263" name="Google Shape;263;p27"/>
           <p:cNvSpPr/>
           <p:nvPr/>
         </p:nvSpPr>
@@ -14187,7 +14187,7 @@
       </p:sp>
       <p:sp>
         <p:nvSpPr>
-          <p:cNvPr id="266" name="Google Shape;266;p27"/>
+          <p:cNvPr id="264" name="Google Shape;264;p27"/>
           <p:cNvSpPr txBox="1"/>
           <p:nvPr>
             <p:ph idx="1" type="body"/>
@@ -14262,7 +14262,7 @@
       </p:sp>
       <p:sp>
         <p:nvSpPr>
-          <p:cNvPr id="267" name="Google Shape;267;p27"/>
+          <p:cNvPr id="265" name="Google Shape;265;p27"/>
           <p:cNvSpPr/>
           <p:nvPr/>
         </p:nvSpPr>
@@ -14311,7 +14311,7 @@
       </p:sp>
       <p:sp>
         <p:nvSpPr>
-          <p:cNvPr id="268" name="Google Shape;268;p27"/>
+          <p:cNvPr id="266" name="Google Shape;266;p27"/>
           <p:cNvSpPr/>
           <p:nvPr/>
         </p:nvSpPr>
@@ -14360,7 +14360,7 @@
       </p:sp>
       <p:sp>
         <p:nvSpPr>
-          <p:cNvPr id="269" name="Google Shape;269;p27"/>
+          <p:cNvPr id="267" name="Google Shape;267;p27"/>
           <p:cNvSpPr txBox="1"/>
           <p:nvPr>
             <p:ph idx="1" type="body"/>
@@ -14435,7 +14435,7 @@
       </p:sp>
       <p:sp>
         <p:nvSpPr>
-          <p:cNvPr id="270" name="Google Shape;270;p27"/>
+          <p:cNvPr id="268" name="Google Shape;268;p27"/>
           <p:cNvSpPr/>
           <p:nvPr/>
         </p:nvSpPr>
@@ -14484,7 +14484,7 @@
       </p:sp>
       <p:sp>
         <p:nvSpPr>
-          <p:cNvPr id="271" name="Google Shape;271;p27"/>
+          <p:cNvPr id="269" name="Google Shape;269;p27"/>
           <p:cNvSpPr/>
           <p:nvPr/>
         </p:nvSpPr>
@@ -14533,7 +14533,7 @@
       </p:sp>
       <p:sp>
         <p:nvSpPr>
-          <p:cNvPr id="272" name="Google Shape;272;p27"/>
+          <p:cNvPr id="270" name="Google Shape;270;p27"/>
           <p:cNvSpPr txBox="1"/>
           <p:nvPr>
             <p:ph idx="1" type="body"/>
@@ -14612,7 +14612,7 @@
       </p:sp>
       <p:sp>
         <p:nvSpPr>
-          <p:cNvPr id="273" name="Google Shape;273;p27"/>
+          <p:cNvPr id="271" name="Google Shape;271;p27"/>
           <p:cNvSpPr/>
           <p:nvPr/>
         </p:nvSpPr>
@@ -14661,7 +14661,7 @@
       </p:sp>
       <p:sp>
         <p:nvSpPr>
-          <p:cNvPr id="274" name="Google Shape;274;p27"/>
+          <p:cNvPr id="272" name="Google Shape;272;p27"/>
           <p:cNvSpPr/>
           <p:nvPr/>
         </p:nvSpPr>
@@ -14710,7 +14710,7 @@
       </p:sp>
       <p:sp>
         <p:nvSpPr>
-          <p:cNvPr id="275" name="Google Shape;275;p27"/>
+          <p:cNvPr id="273" name="Google Shape;273;p27"/>
           <p:cNvSpPr txBox="1"/>
           <p:nvPr>
             <p:ph idx="1" type="body"/>
@@ -14796,7 +14796,7 @@
   <p:cSld>
     <p:spTree>
       <p:nvGrpSpPr>
-        <p:cNvPr id="279" name="Shape 279"/>
+        <p:cNvPr id="277" name="Shape 277"/>
         <p:cNvGrpSpPr/>
         <p:nvPr/>
       </p:nvGrpSpPr>
@@ -14810,7 +14810,7 @@
       </p:grpSpPr>
       <p:sp>
         <p:nvSpPr>
-          <p:cNvPr id="280" name="Google Shape;280;p28"/>
+          <p:cNvPr id="278" name="Google Shape;278;p28"/>
           <p:cNvSpPr txBox="1"/>
           <p:nvPr>
             <p:ph idx="1" type="subTitle"/>
@@ -14955,7 +14955,7 @@
       </p:sp>
       <p:sp>
         <p:nvSpPr>
-          <p:cNvPr id="281" name="Google Shape;281;p28"/>
+          <p:cNvPr id="279" name="Google Shape;279;p28"/>
           <p:cNvSpPr txBox="1"/>
           <p:nvPr>
             <p:ph type="ctrTitle"/>
@@ -15006,7 +15006,7 @@
   <p:cSld>
     <p:spTree>
       <p:nvGrpSpPr>
-        <p:cNvPr id="285" name="Shape 285"/>
+        <p:cNvPr id="283" name="Shape 283"/>
         <p:cNvGrpSpPr/>
         <p:nvPr/>
       </p:nvGrpSpPr>
@@ -15020,7 +15020,7 @@
       </p:grpSpPr>
       <p:sp>
         <p:nvSpPr>
-          <p:cNvPr id="286" name="Google Shape;286;p29"/>
+          <p:cNvPr id="284" name="Google Shape;284;p29"/>
           <p:cNvSpPr txBox="1"/>
           <p:nvPr>
             <p:ph idx="1" type="body"/>
@@ -15173,7 +15173,7 @@
       </p:sp>
       <p:sp>
         <p:nvSpPr>
-          <p:cNvPr id="287" name="Google Shape;287;p29"/>
+          <p:cNvPr id="285" name="Google Shape;285;p29"/>
           <p:cNvSpPr txBox="1"/>
           <p:nvPr>
             <p:ph type="title"/>
@@ -15213,7 +15213,7 @@
       </p:sp>
       <p:sp>
         <p:nvSpPr>
-          <p:cNvPr id="288" name="Google Shape;288;p29"/>
+          <p:cNvPr id="286" name="Google Shape;286;p29"/>
           <p:cNvSpPr txBox="1"/>
           <p:nvPr>
             <p:ph idx="1" type="body"/>
@@ -15353,7 +15353,7 @@
       </p:sp>
       <p:sp>
         <p:nvSpPr>
-          <p:cNvPr id="289" name="Google Shape;289;p29"/>
+          <p:cNvPr id="287" name="Google Shape;287;p29"/>
           <p:cNvSpPr txBox="1"/>
           <p:nvPr>
             <p:ph idx="1" type="body"/>
@@ -15535,7 +15535,7 @@
       </p:sp>
       <p:sp>
         <p:nvSpPr>
-          <p:cNvPr id="290" name="Google Shape;290;p29"/>
+          <p:cNvPr id="288" name="Google Shape;288;p29"/>
           <p:cNvSpPr txBox="1"/>
           <p:nvPr>
             <p:ph idx="1" type="body"/>
@@ -15599,7 +15599,7 @@
       </p:sp>
       <p:sp>
         <p:nvSpPr>
-          <p:cNvPr id="291" name="Google Shape;291;p29"/>
+          <p:cNvPr id="289" name="Google Shape;289;p29"/>
           <p:cNvSpPr txBox="1"/>
           <p:nvPr>
             <p:ph idx="1" type="body"/>
@@ -15659,7 +15659,7 @@
       </p:sp>
       <p:sp>
         <p:nvSpPr>
-          <p:cNvPr id="292" name="Google Shape;292;p29"/>
+          <p:cNvPr id="290" name="Google Shape;290;p29"/>
           <p:cNvSpPr txBox="1"/>
           <p:nvPr>
             <p:ph idx="1" type="body"/>
@@ -15773,7 +15773,7 @@
       </p:sp>
       <p:sp>
         <p:nvSpPr>
-          <p:cNvPr id="293" name="Google Shape;293;p29"/>
+          <p:cNvPr id="291" name="Google Shape;291;p29"/>
           <p:cNvSpPr txBox="1"/>
           <p:nvPr>
             <p:ph idx="1" type="body"/>
@@ -15879,7 +15879,7 @@
   <p:cSld>
     <p:spTree>
       <p:nvGrpSpPr>
-        <p:cNvPr id="297" name="Shape 297"/>
+        <p:cNvPr id="295" name="Shape 295"/>
         <p:cNvGrpSpPr/>
         <p:nvPr/>
       </p:nvGrpSpPr>
@@ -15893,7 +15893,7 @@
       </p:grpSpPr>
       <p:pic>
         <p:nvPicPr>
-          <p:cNvPr id="298" name="Google Shape;298;p30"/>
+          <p:cNvPr id="296" name="Google Shape;296;p30"/>
           <p:cNvPicPr preferRelativeResize="0"/>
           <p:nvPr/>
         </p:nvPicPr>
@@ -15920,7 +15920,7 @@
       </p:pic>
       <p:sp>
         <p:nvSpPr>
-          <p:cNvPr id="299" name="Google Shape;299;p30"/>
+          <p:cNvPr id="297" name="Google Shape;297;p30"/>
           <p:cNvSpPr txBox="1"/>
           <p:nvPr>
             <p:ph idx="1" type="body"/>
@@ -16004,7 +16004,7 @@
       </p:sp>
       <p:sp>
         <p:nvSpPr>
-          <p:cNvPr id="300" name="Google Shape;300;p30"/>
+          <p:cNvPr id="298" name="Google Shape;298;p30"/>
           <p:cNvSpPr txBox="1"/>
           <p:nvPr>
             <p:ph type="title"/>
@@ -16044,7 +16044,7 @@
       </p:sp>
       <p:sp>
         <p:nvSpPr>
-          <p:cNvPr id="301" name="Google Shape;301;p30"/>
+          <p:cNvPr id="299" name="Google Shape;299;p30"/>
           <p:cNvSpPr txBox="1"/>
           <p:nvPr>
             <p:ph idx="1" type="body"/>
@@ -16095,7 +16095,7 @@
       </p:sp>
       <p:sp>
         <p:nvSpPr>
-          <p:cNvPr id="302" name="Google Shape;302;p30"/>
+          <p:cNvPr id="300" name="Google Shape;300;p30"/>
           <p:cNvSpPr txBox="1"/>
           <p:nvPr>
             <p:ph idx="1" type="body"/>
@@ -16143,7 +16143,7 @@
       </p:sp>
       <p:sp>
         <p:nvSpPr>
-          <p:cNvPr id="303" name="Google Shape;303;p30"/>
+          <p:cNvPr id="301" name="Google Shape;301;p30"/>
           <p:cNvSpPr txBox="1"/>
           <p:nvPr>
             <p:ph idx="1" type="body"/>
@@ -16227,7 +16227,7 @@
       </p:sp>
       <p:sp>
         <p:nvSpPr>
-          <p:cNvPr id="304" name="Google Shape;304;p30"/>
+          <p:cNvPr id="302" name="Google Shape;302;p30"/>
           <p:cNvSpPr txBox="1"/>
           <p:nvPr>
             <p:ph idx="1" type="body"/>
@@ -16311,7 +16311,7 @@
       </p:sp>
       <p:sp>
         <p:nvSpPr>
-          <p:cNvPr id="305" name="Google Shape;305;p30"/>
+          <p:cNvPr id="303" name="Google Shape;303;p30"/>
           <p:cNvSpPr txBox="1"/>
           <p:nvPr>
             <p:ph idx="1" type="body"/>
@@ -16395,7 +16395,7 @@
       </p:sp>
       <p:sp>
         <p:nvSpPr>
-          <p:cNvPr id="306" name="Google Shape;306;p30"/>
+          <p:cNvPr id="304" name="Google Shape;304;p30"/>
           <p:cNvSpPr txBox="1"/>
           <p:nvPr>
             <p:ph idx="1" type="body"/>
@@ -16446,7 +16446,7 @@
       </p:sp>
       <p:sp>
         <p:nvSpPr>
-          <p:cNvPr id="307" name="Google Shape;307;p30"/>
+          <p:cNvPr id="305" name="Google Shape;305;p30"/>
           <p:cNvSpPr txBox="1"/>
           <p:nvPr>
             <p:ph idx="1" type="body"/>
@@ -16497,7 +16497,7 @@
       </p:sp>
       <p:sp>
         <p:nvSpPr>
-          <p:cNvPr id="308" name="Google Shape;308;p30"/>
+          <p:cNvPr id="306" name="Google Shape;306;p30"/>
           <p:cNvSpPr txBox="1"/>
           <p:nvPr>
             <p:ph idx="1" type="body"/>
@@ -16548,7 +16548,7 @@
       </p:sp>
       <p:sp>
         <p:nvSpPr>
-          <p:cNvPr id="309" name="Google Shape;309;p30"/>
+          <p:cNvPr id="307" name="Google Shape;307;p30"/>
           <p:cNvSpPr txBox="1"/>
           <p:nvPr>
             <p:ph idx="1" type="body"/>
@@ -16599,7 +16599,7 @@
       </p:sp>
       <p:sp>
         <p:nvSpPr>
-          <p:cNvPr id="310" name="Google Shape;310;p30"/>
+          <p:cNvPr id="308" name="Google Shape;308;p30"/>
           <p:cNvSpPr txBox="1"/>
           <p:nvPr>
             <p:ph idx="1" type="body"/>
@@ -16650,7 +16650,7 @@
       </p:sp>
       <p:sp>
         <p:nvSpPr>
-          <p:cNvPr id="311" name="Google Shape;311;p30"/>
+          <p:cNvPr id="309" name="Google Shape;309;p30"/>
           <p:cNvSpPr txBox="1"/>
           <p:nvPr>
             <p:ph idx="1" type="body"/>
@@ -16701,7 +16701,7 @@
       </p:sp>
       <p:sp>
         <p:nvSpPr>
-          <p:cNvPr id="312" name="Google Shape;312;p30"/>
+          <p:cNvPr id="310" name="Google Shape;310;p30"/>
           <p:cNvSpPr txBox="1"/>
           <p:nvPr>
             <p:ph idx="1" type="body"/>
@@ -16752,7 +16752,7 @@
       </p:sp>
       <p:sp>
         <p:nvSpPr>
-          <p:cNvPr id="313" name="Google Shape;313;p30"/>
+          <p:cNvPr id="311" name="Google Shape;311;p30"/>
           <p:cNvSpPr txBox="1"/>
           <p:nvPr>
             <p:ph idx="1" type="body"/>
@@ -16803,7 +16803,7 @@
       </p:sp>
       <p:sp>
         <p:nvSpPr>
-          <p:cNvPr id="314" name="Google Shape;314;p30"/>
+          <p:cNvPr id="312" name="Google Shape;312;p30"/>
           <p:cNvSpPr txBox="1"/>
           <p:nvPr>
             <p:ph idx="1" type="body"/>
@@ -16854,7 +16854,7 @@
       </p:sp>
       <p:sp>
         <p:nvSpPr>
-          <p:cNvPr id="315" name="Google Shape;315;p30"/>
+          <p:cNvPr id="313" name="Google Shape;313;p30"/>
           <p:cNvSpPr txBox="1"/>
           <p:nvPr>
             <p:ph idx="1" type="body"/>
@@ -16905,7 +16905,7 @@
       </p:sp>
       <p:sp>
         <p:nvSpPr>
-          <p:cNvPr id="316" name="Google Shape;316;p30"/>
+          <p:cNvPr id="314" name="Google Shape;314;p30"/>
           <p:cNvSpPr txBox="1"/>
           <p:nvPr>
             <p:ph idx="1" type="body"/>
@@ -16956,7 +16956,7 @@
       </p:sp>
       <p:sp>
         <p:nvSpPr>
-          <p:cNvPr id="317" name="Google Shape;317;p30"/>
+          <p:cNvPr id="315" name="Google Shape;315;p30"/>
           <p:cNvSpPr txBox="1"/>
           <p:nvPr>
             <p:ph idx="1" type="body"/>
@@ -17008,7 +17008,7 @@
       </p:sp>
       <p:sp>
         <p:nvSpPr>
-          <p:cNvPr id="318" name="Google Shape;318;p30"/>
+          <p:cNvPr id="316" name="Google Shape;316;p30"/>
           <p:cNvSpPr txBox="1"/>
           <p:nvPr>
             <p:ph idx="1" type="body"/>
@@ -17067,7 +17067,7 @@
       </p:sp>
       <p:sp>
         <p:nvSpPr>
-          <p:cNvPr id="319" name="Google Shape;319;p30"/>
+          <p:cNvPr id="317" name="Google Shape;317;p30"/>
           <p:cNvSpPr txBox="1"/>
           <p:nvPr>
             <p:ph idx="1" type="body"/>
@@ -17118,7 +17118,7 @@
       </p:sp>
       <p:sp>
         <p:nvSpPr>
-          <p:cNvPr id="320" name="Google Shape;320;p30"/>
+          <p:cNvPr id="318" name="Google Shape;318;p30"/>
           <p:cNvSpPr txBox="1"/>
           <p:nvPr>
             <p:ph idx="1" type="body"/>
@@ -17181,7 +17181,7 @@
   <p:cSld>
     <p:spTree>
       <p:nvGrpSpPr>
-        <p:cNvPr id="324" name="Shape 324"/>
+        <p:cNvPr id="322" name="Shape 322"/>
         <p:cNvGrpSpPr/>
         <p:nvPr/>
       </p:nvGrpSpPr>
@@ -17195,7 +17195,7 @@
       </p:grpSpPr>
       <p:sp>
         <p:nvSpPr>
-          <p:cNvPr id="325" name="Google Shape;325;p31"/>
+          <p:cNvPr id="323" name="Google Shape;323;p31"/>
           <p:cNvSpPr txBox="1"/>
           <p:nvPr>
             <p:ph type="title"/>
@@ -17235,7 +17235,7 @@
       </p:sp>
       <p:pic>
         <p:nvPicPr>
-          <p:cNvPr id="326" name="Google Shape;326;p31"/>
+          <p:cNvPr id="324" name="Google Shape;324;p31"/>
           <p:cNvPicPr preferRelativeResize="0"/>
           <p:nvPr/>
         </p:nvPicPr>
@@ -17274,7 +17274,7 @@
   <p:cSld>
     <p:spTree>
       <p:nvGrpSpPr>
-        <p:cNvPr id="330" name="Shape 330"/>
+        <p:cNvPr id="328" name="Shape 328"/>
         <p:cNvGrpSpPr/>
         <p:nvPr/>
       </p:nvGrpSpPr>
@@ -17288,7 +17288,7 @@
       </p:grpSpPr>
       <p:sp>
         <p:nvSpPr>
-          <p:cNvPr id="331" name="Google Shape;331;p32"/>
+          <p:cNvPr id="329" name="Google Shape;329;p32"/>
           <p:cNvSpPr txBox="1"/>
           <p:nvPr>
             <p:ph type="title"/>
@@ -17339,7 +17339,7 @@
   <p:cSld>
     <p:spTree>
       <p:nvGrpSpPr>
-        <p:cNvPr id="335" name="Shape 335"/>
+        <p:cNvPr id="333" name="Shape 333"/>
         <p:cNvGrpSpPr/>
         <p:nvPr/>
       </p:nvGrpSpPr>
@@ -17353,7 +17353,7 @@
       </p:grpSpPr>
       <p:sp>
         <p:nvSpPr>
-          <p:cNvPr id="336" name="Google Shape;336;p33"/>
+          <p:cNvPr id="334" name="Google Shape;334;p33"/>
           <p:cNvSpPr txBox="1"/>
           <p:nvPr>
             <p:ph type="title"/>
@@ -17491,7 +17491,7 @@
   <p:cSld>
     <p:spTree>
       <p:nvGrpSpPr>
-        <p:cNvPr id="340" name="Shape 340"/>
+        <p:cNvPr id="338" name="Shape 338"/>
         <p:cNvGrpSpPr/>
         <p:nvPr/>
       </p:nvGrpSpPr>
@@ -17505,7 +17505,7 @@
       </p:grpSpPr>
       <p:sp>
         <p:nvSpPr>
-          <p:cNvPr id="341" name="Google Shape;341;p34"/>
+          <p:cNvPr id="339" name="Google Shape;339;p34"/>
           <p:cNvSpPr txBox="1"/>
           <p:nvPr>
             <p:ph type="title"/>
@@ -18046,7 +18046,7 @@
                   <a:srgbClr val="414141"/>
                 </a:solidFill>
               </a:rPr>
-              <a:t>Javascript para la Web</a:t>
+              <a:t>Asincronismo en Javascript</a:t>
             </a:r>
             <a:endParaRPr b="1">
               <a:solidFill>
@@ -18102,7 +18102,7 @@
                   <a:srgbClr val="414141"/>
                 </a:solidFill>
               </a:rPr>
-              <a:t>      DOM Parte II</a:t>
+              <a:t>      ¿Qué es?</a:t>
             </a:r>
             <a:endParaRPr b="1">
               <a:solidFill>
@@ -18129,7 +18129,12 @@
               <a:buNone/>
             </a:pPr>
             <a:r>
-              <a:t/>
+              <a:rPr b="1" lang="es">
+                <a:solidFill>
+                  <a:srgbClr val="414141"/>
+                </a:solidFill>
+              </a:rPr>
+              <a:t>      Call Stack</a:t>
             </a:r>
             <a:endParaRPr b="1">
               <a:solidFill>
@@ -18158,6 +18163,129 @@
             <a:r>
               <a:rPr b="1" lang="es">
                 <a:solidFill>
+                  <a:srgbClr val="414141"/>
+                </a:solidFill>
+              </a:rPr>
+              <a:t>      Event Loop</a:t>
+            </a:r>
+            <a:endParaRPr b="1">
+              <a:solidFill>
+                <a:srgbClr val="414141"/>
+              </a:solidFill>
+            </a:endParaRPr>
+          </a:p>
+          <a:p>
+            <a:pPr indent="0" lvl="0" marL="0" rtl="0" algn="l">
+              <a:lnSpc>
+                <a:spcPct val="150000"/>
+              </a:lnSpc>
+              <a:spcBef>
+                <a:spcPts val="0"/>
+              </a:spcBef>
+              <a:spcAft>
+                <a:spcPts val="0"/>
+              </a:spcAft>
+              <a:buClr>
+                <a:schemeClr val="dk1"/>
+              </a:buClr>
+              <a:buSzPts val="1100"/>
+              <a:buFont typeface="Arial"/>
+              <a:buNone/>
+            </a:pPr>
+            <a:r>
+              <a:rPr b="1" lang="es">
+                <a:solidFill>
+                  <a:srgbClr val="414141"/>
+                </a:solidFill>
+              </a:rPr>
+              <a:t>      Promesas</a:t>
+            </a:r>
+            <a:endParaRPr b="1">
+              <a:solidFill>
+                <a:srgbClr val="414141"/>
+              </a:solidFill>
+            </a:endParaRPr>
+          </a:p>
+          <a:p>
+            <a:pPr indent="0" lvl="0" marL="0" rtl="0" algn="l">
+              <a:lnSpc>
+                <a:spcPct val="150000"/>
+              </a:lnSpc>
+              <a:spcBef>
+                <a:spcPts val="0"/>
+              </a:spcBef>
+              <a:spcAft>
+                <a:spcPts val="0"/>
+              </a:spcAft>
+              <a:buClr>
+                <a:schemeClr val="dk1"/>
+              </a:buClr>
+              <a:buSzPts val="1100"/>
+              <a:buFont typeface="Arial"/>
+              <a:buNone/>
+            </a:pPr>
+            <a:r>
+              <a:rPr b="1" lang="es">
+                <a:solidFill>
+                  <a:srgbClr val="414141"/>
+                </a:solidFill>
+              </a:rPr>
+              <a:t>      Async/Await</a:t>
+            </a:r>
+            <a:endParaRPr b="1">
+              <a:solidFill>
+                <a:srgbClr val="414141"/>
+              </a:solidFill>
+            </a:endParaRPr>
+          </a:p>
+          <a:p>
+            <a:pPr indent="0" lvl="0" marL="0" rtl="0" algn="l">
+              <a:lnSpc>
+                <a:spcPct val="150000"/>
+              </a:lnSpc>
+              <a:spcBef>
+                <a:spcPts val="0"/>
+              </a:spcBef>
+              <a:spcAft>
+                <a:spcPts val="0"/>
+              </a:spcAft>
+              <a:buClr>
+                <a:schemeClr val="dk1"/>
+              </a:buClr>
+              <a:buSzPts val="1100"/>
+              <a:buFont typeface="Arial"/>
+              <a:buNone/>
+            </a:pPr>
+            <a:r>
+              <a:t/>
+            </a:r>
+            <a:endParaRPr b="1">
+              <a:solidFill>
+                <a:srgbClr val="414141"/>
+              </a:solidFill>
+            </a:endParaRPr>
+          </a:p>
+          <a:p>
+            <a:pPr indent="0" lvl="0" marL="0" rtl="0" algn="l">
+              <a:lnSpc>
+                <a:spcPct val="150000"/>
+              </a:lnSpc>
+              <a:spcBef>
+                <a:spcPts val="0"/>
+              </a:spcBef>
+              <a:spcAft>
+                <a:spcPts val="0"/>
+              </a:spcAft>
+              <a:buClr>
+                <a:schemeClr val="dk1"/>
+              </a:buClr>
+              <a:buSzPts val="1100"/>
+              <a:buFont typeface="Arial"/>
+              <a:buNone/>
+            </a:pPr>
+            <a:r>
+              <a:rPr b="1" lang="es">
+                <a:solidFill>
                   <a:srgbClr val="F9F9F9"/>
                 </a:solidFill>
               </a:rPr>
@@ -18336,7 +18464,7 @@
                   <a:srgbClr val="414141"/>
                 </a:solidFill>
               </a:rPr>
-              <a:t>Javascript Objetos</a:t>
+              <a:t>Javascript Arrays</a:t>
             </a:r>
             <a:endParaRPr b="1">
               <a:solidFill>
@@ -18392,7 +18520,7 @@
                   <a:srgbClr val="414141"/>
                 </a:solidFill>
               </a:rPr>
-              <a:t>      Literales</a:t>
+              <a:t>      Arrays</a:t>
             </a:r>
             <a:endParaRPr b="1">
               <a:solidFill>
@@ -18424,7 +18552,7 @@
                   <a:srgbClr val="414141"/>
                 </a:solidFill>
               </a:rPr>
-              <a:t>      Funcionales</a:t>
+              <a:t>      Array Methods</a:t>
             </a:r>
             <a:endParaRPr b="1">
               <a:solidFill>
@@ -18451,12 +18579,7 @@
               <a:buNone/>
             </a:pPr>
             <a:r>
-              <a:rPr b="1" lang="es">
-                <a:solidFill>
-                  <a:srgbClr val="414141"/>
-                </a:solidFill>
-              </a:rPr>
-              <a:t>      Clases</a:t>
+              <a:t/>
             </a:r>
             <a:endParaRPr b="1">
               <a:solidFill>
@@ -18485,65 +18608,6 @@
             <a:r>
               <a:rPr b="1" lang="es">
                 <a:solidFill>
-                  <a:srgbClr val="414141"/>
-                </a:solidFill>
-              </a:rPr>
-              <a:t>      For In</a:t>
-            </a:r>
-            <a:endParaRPr b="1">
-              <a:solidFill>
-                <a:srgbClr val="414141"/>
-              </a:solidFill>
-            </a:endParaRPr>
-          </a:p>
-          <a:p>
-            <a:pPr indent="0" lvl="0" marL="0" rtl="0" algn="l">
-              <a:lnSpc>
-                <a:spcPct val="150000"/>
-              </a:lnSpc>
-              <a:spcBef>
-                <a:spcPts val="0"/>
-              </a:spcBef>
-              <a:spcAft>
-                <a:spcPts val="0"/>
-              </a:spcAft>
-              <a:buClr>
-                <a:schemeClr val="dk1"/>
-              </a:buClr>
-              <a:buSzPts val="1100"/>
-              <a:buFont typeface="Arial"/>
-              <a:buNone/>
-            </a:pPr>
-            <a:r>
-              <a:t/>
-            </a:r>
-            <a:endParaRPr b="1">
-              <a:solidFill>
-                <a:srgbClr val="414141"/>
-              </a:solidFill>
-            </a:endParaRPr>
-          </a:p>
-          <a:p>
-            <a:pPr indent="0" lvl="0" marL="0" rtl="0" algn="l">
-              <a:lnSpc>
-                <a:spcPct val="150000"/>
-              </a:lnSpc>
-              <a:spcBef>
-                <a:spcPts val="0"/>
-              </a:spcBef>
-              <a:spcAft>
-                <a:spcPts val="0"/>
-              </a:spcAft>
-              <a:buClr>
-                <a:schemeClr val="dk1"/>
-              </a:buClr>
-              <a:buSzPts val="1100"/>
-              <a:buFont typeface="Arial"/>
-              <a:buNone/>
-            </a:pPr>
-            <a:r>
-              <a:rPr b="1" lang="es">
-                <a:solidFill>
                   <a:srgbClr val="F9F9F9"/>
                 </a:solidFill>
               </a:rPr>
@@ -18689,128 +18753,6 @@
           <a:xfrm rot="5400000">
             <a:off x="644154" y="2804143"/>
             <a:ext cx="116400" cy="117000"/>
-          </a:xfrm>
-          <a:prstGeom prst="triangle">
-            <a:avLst>
-              <a:gd fmla="val 50000" name="adj"/>
-            </a:avLst>
-          </a:prstGeom>
-          <a:solidFill>
-            <a:srgbClr val="E15BBA"/>
-          </a:solidFill>
-          <a:ln>
-            <a:noFill/>
-          </a:ln>
-        </p:spPr>
-        <p:txBody>
-          <a:bodyPr anchorCtr="0" anchor="ctr" bIns="45700" lIns="91425" spcFirstLastPara="1" rIns="91425" wrap="square" tIns="45700">
-            <a:noAutofit/>
-          </a:bodyPr>
-          <a:lstStyle/>
-          <a:p>
-            <a:pPr indent="0" lvl="0" marL="0" marR="0" rtl="0" algn="ctr">
-              <a:lnSpc>
-                <a:spcPct val="100000"/>
-              </a:lnSpc>
-              <a:spcBef>
-                <a:spcPts val="0"/>
-              </a:spcBef>
-              <a:spcAft>
-                <a:spcPts val="0"/>
-              </a:spcAft>
-              <a:buClr>
-                <a:srgbClr val="000000"/>
-              </a:buClr>
-              <a:buSzPts val="1800"/>
-              <a:buFont typeface="Arial"/>
-              <a:buNone/>
-            </a:pPr>
-            <a:r>
-              <a:t/>
-            </a:r>
-            <a:endParaRPr b="0" i="0" sz="1800" u="none" cap="none" strike="noStrike">
-              <a:solidFill>
-                <a:srgbClr val="FFFFFF"/>
-              </a:solidFill>
-              <a:latin typeface="Calibri"/>
-              <a:ea typeface="Calibri"/>
-              <a:cs typeface="Calibri"/>
-              <a:sym typeface="Calibri"/>
-            </a:endParaRPr>
-          </a:p>
-        </p:txBody>
-      </p:sp>
-      <p:sp>
-        <p:nvSpPr>
-          <p:cNvPr id="166" name="Google Shape;166;p18"/>
-          <p:cNvSpPr/>
-          <p:nvPr/>
-        </p:nvSpPr>
-        <p:spPr>
-          <a:xfrm rot="5400000">
-            <a:off x="644750" y="3018737"/>
-            <a:ext cx="115200" cy="117000"/>
-          </a:xfrm>
-          <a:prstGeom prst="triangle">
-            <a:avLst>
-              <a:gd fmla="val 50000" name="adj"/>
-            </a:avLst>
-          </a:prstGeom>
-          <a:solidFill>
-            <a:srgbClr val="E15BBA"/>
-          </a:solidFill>
-          <a:ln>
-            <a:noFill/>
-          </a:ln>
-        </p:spPr>
-        <p:txBody>
-          <a:bodyPr anchorCtr="0" anchor="ctr" bIns="45700" lIns="91425" spcFirstLastPara="1" rIns="91425" wrap="square" tIns="45700">
-            <a:noAutofit/>
-          </a:bodyPr>
-          <a:lstStyle/>
-          <a:p>
-            <a:pPr indent="0" lvl="0" marL="0" marR="0" rtl="0" algn="ctr">
-              <a:lnSpc>
-                <a:spcPct val="100000"/>
-              </a:lnSpc>
-              <a:spcBef>
-                <a:spcPts val="0"/>
-              </a:spcBef>
-              <a:spcAft>
-                <a:spcPts val="0"/>
-              </a:spcAft>
-              <a:buClr>
-                <a:srgbClr val="000000"/>
-              </a:buClr>
-              <a:buSzPts val="1800"/>
-              <a:buFont typeface="Arial"/>
-              <a:buNone/>
-            </a:pPr>
-            <a:r>
-              <a:t/>
-            </a:r>
-            <a:endParaRPr b="0" i="0" sz="1800" u="none" cap="none" strike="noStrike">
-              <a:solidFill>
-                <a:srgbClr val="FFFFFF"/>
-              </a:solidFill>
-              <a:latin typeface="Calibri"/>
-              <a:ea typeface="Calibri"/>
-              <a:cs typeface="Calibri"/>
-              <a:sym typeface="Calibri"/>
-            </a:endParaRPr>
-          </a:p>
-        </p:txBody>
-      </p:sp>
-      <p:sp>
-        <p:nvSpPr>
-          <p:cNvPr id="167" name="Google Shape;167;p18"/>
-          <p:cNvSpPr/>
-          <p:nvPr/>
-        </p:nvSpPr>
-        <p:spPr>
-          <a:xfrm rot="5400000">
-            <a:off x="644750" y="3255782"/>
-            <a:ext cx="115200" cy="117000"/>
           </a:xfrm>
           <a:prstGeom prst="triangle">
             <a:avLst>
@@ -18875,7 +18817,7 @@
   <p:cSld>
     <p:spTree>
       <p:nvGrpSpPr>
-        <p:cNvPr id="171" name="Shape 171"/>
+        <p:cNvPr id="169" name="Shape 169"/>
         <p:cNvGrpSpPr/>
         <p:nvPr/>
       </p:nvGrpSpPr>
@@ -18889,7 +18831,7 @@
       </p:grpSpPr>
       <p:sp>
         <p:nvSpPr>
-          <p:cNvPr id="172" name="Google Shape;172;p19"/>
+          <p:cNvPr id="170" name="Google Shape;170;p19"/>
           <p:cNvSpPr txBox="1"/>
           <p:nvPr>
             <p:ph type="title"/>
@@ -18929,7 +18871,7 @@
       </p:sp>
       <p:sp>
         <p:nvSpPr>
-          <p:cNvPr id="173" name="Google Shape;173;p19"/>
+          <p:cNvPr id="171" name="Google Shape;171;p19"/>
           <p:cNvSpPr txBox="1"/>
           <p:nvPr>
             <p:ph idx="4294967295" type="subTitle"/>
@@ -18969,7 +18911,7 @@
       </p:sp>
       <p:pic>
         <p:nvPicPr>
-          <p:cNvPr id="174" name="Google Shape;174;p19"/>
+          <p:cNvPr id="172" name="Google Shape;172;p19"/>
           <p:cNvPicPr preferRelativeResize="0"/>
           <p:nvPr/>
         </p:nvPicPr>
@@ -19008,7 +18950,7 @@
   <p:cSld>
     <p:spTree>
       <p:nvGrpSpPr>
-        <p:cNvPr id="178" name="Shape 178"/>
+        <p:cNvPr id="176" name="Shape 176"/>
         <p:cNvGrpSpPr/>
         <p:nvPr/>
       </p:nvGrpSpPr>
@@ -19022,7 +18964,7 @@
       </p:grpSpPr>
       <p:sp>
         <p:nvSpPr>
-          <p:cNvPr id="179" name="Google Shape;179;p20"/>
+          <p:cNvPr id="177" name="Google Shape;177;p20"/>
           <p:cNvSpPr txBox="1"/>
           <p:nvPr>
             <p:ph idx="1" type="subTitle"/>
@@ -19176,7 +19118,7 @@
       </p:sp>
       <p:sp>
         <p:nvSpPr>
-          <p:cNvPr id="180" name="Google Shape;180;p20"/>
+          <p:cNvPr id="178" name="Google Shape;178;p20"/>
           <p:cNvSpPr txBox="1"/>
           <p:nvPr>
             <p:ph type="ctrTitle"/>
@@ -19227,7 +19169,7 @@
   <p:cSld>
     <p:spTree>
       <p:nvGrpSpPr>
-        <p:cNvPr id="184" name="Shape 184"/>
+        <p:cNvPr id="182" name="Shape 182"/>
         <p:cNvGrpSpPr/>
         <p:nvPr/>
       </p:nvGrpSpPr>
@@ -19241,7 +19183,7 @@
       </p:grpSpPr>
       <p:sp>
         <p:nvSpPr>
-          <p:cNvPr id="185" name="Google Shape;185;p21"/>
+          <p:cNvPr id="183" name="Google Shape;183;p21"/>
           <p:cNvSpPr txBox="1"/>
           <p:nvPr>
             <p:ph type="title"/>
@@ -19281,7 +19223,7 @@
       </p:sp>
       <p:sp>
         <p:nvSpPr>
-          <p:cNvPr id="186" name="Google Shape;186;p21"/>
+          <p:cNvPr id="184" name="Google Shape;184;p21"/>
           <p:cNvSpPr txBox="1"/>
           <p:nvPr>
             <p:ph idx="1" type="body"/>
@@ -19447,7 +19389,7 @@
       </p:sp>
       <p:pic>
         <p:nvPicPr>
-          <p:cNvPr id="187" name="Google Shape;187;p21"/>
+          <p:cNvPr id="185" name="Google Shape;185;p21"/>
           <p:cNvPicPr preferRelativeResize="0"/>
           <p:nvPr/>
         </p:nvPicPr>
@@ -19486,7 +19428,7 @@
   <p:cSld>
     <p:spTree>
       <p:nvGrpSpPr>
-        <p:cNvPr id="191" name="Shape 191"/>
+        <p:cNvPr id="189" name="Shape 189"/>
         <p:cNvGrpSpPr/>
         <p:nvPr/>
       </p:nvGrpSpPr>
@@ -19500,7 +19442,7 @@
       </p:grpSpPr>
       <p:sp>
         <p:nvSpPr>
-          <p:cNvPr id="192" name="Google Shape;192;p22"/>
+          <p:cNvPr id="190" name="Google Shape;190;p22"/>
           <p:cNvSpPr/>
           <p:nvPr/>
         </p:nvSpPr>
@@ -19549,7 +19491,7 @@
       </p:sp>
       <p:sp>
         <p:nvSpPr>
-          <p:cNvPr id="193" name="Google Shape;193;p22"/>
+          <p:cNvPr id="191" name="Google Shape;191;p22"/>
           <p:cNvSpPr/>
           <p:nvPr/>
         </p:nvSpPr>
@@ -19598,7 +19540,7 @@
       </p:sp>
       <p:sp>
         <p:nvSpPr>
-          <p:cNvPr id="194" name="Google Shape;194;p22"/>
+          <p:cNvPr id="192" name="Google Shape;192;p22"/>
           <p:cNvSpPr txBox="1"/>
           <p:nvPr>
             <p:ph type="title"/>
@@ -19638,7 +19580,7 @@
       </p:sp>
       <p:sp>
         <p:nvSpPr>
-          <p:cNvPr id="195" name="Google Shape;195;p22"/>
+          <p:cNvPr id="193" name="Google Shape;193;p22"/>
           <p:cNvSpPr txBox="1"/>
           <p:nvPr>
             <p:ph idx="1" type="body"/>
@@ -19713,7 +19655,7 @@
       </p:sp>
       <p:sp>
         <p:nvSpPr>
-          <p:cNvPr id="196" name="Google Shape;196;p22"/>
+          <p:cNvPr id="194" name="Google Shape;194;p22"/>
           <p:cNvSpPr/>
           <p:nvPr/>
         </p:nvSpPr>
@@ -19762,7 +19704,7 @@
       </p:sp>
       <p:sp>
         <p:nvSpPr>
-          <p:cNvPr id="197" name="Google Shape;197;p22"/>
+          <p:cNvPr id="195" name="Google Shape;195;p22"/>
           <p:cNvSpPr/>
           <p:nvPr/>
         </p:nvSpPr>
@@ -19811,7 +19753,7 @@
       </p:sp>
       <p:sp>
         <p:nvSpPr>
-          <p:cNvPr id="198" name="Google Shape;198;p22"/>
+          <p:cNvPr id="196" name="Google Shape;196;p22"/>
           <p:cNvSpPr txBox="1"/>
           <p:nvPr>
             <p:ph idx="1" type="body"/>
@@ -19895,7 +19837,7 @@
       </p:sp>
       <p:sp>
         <p:nvSpPr>
-          <p:cNvPr id="199" name="Google Shape;199;p22"/>
+          <p:cNvPr id="197" name="Google Shape;197;p22"/>
           <p:cNvSpPr/>
           <p:nvPr/>
         </p:nvSpPr>
@@ -19944,7 +19886,7 @@
       </p:sp>
       <p:sp>
         <p:nvSpPr>
-          <p:cNvPr id="200" name="Google Shape;200;p22"/>
+          <p:cNvPr id="198" name="Google Shape;198;p22"/>
           <p:cNvSpPr/>
           <p:nvPr/>
         </p:nvSpPr>
@@ -19993,7 +19935,7 @@
       </p:sp>
       <p:sp>
         <p:nvSpPr>
-          <p:cNvPr id="201" name="Google Shape;201;p22"/>
+          <p:cNvPr id="199" name="Google Shape;199;p22"/>
           <p:cNvSpPr txBox="1"/>
           <p:nvPr>
             <p:ph idx="1" type="body"/>
@@ -20068,7 +20010,7 @@
       </p:sp>
       <p:sp>
         <p:nvSpPr>
-          <p:cNvPr id="202" name="Google Shape;202;p22"/>
+          <p:cNvPr id="200" name="Google Shape;200;p22"/>
           <p:cNvSpPr/>
           <p:nvPr/>
         </p:nvSpPr>
@@ -20117,7 +20059,7 @@
       </p:sp>
       <p:sp>
         <p:nvSpPr>
-          <p:cNvPr id="203" name="Google Shape;203;p22"/>
+          <p:cNvPr id="201" name="Google Shape;201;p22"/>
           <p:cNvSpPr/>
           <p:nvPr/>
         </p:nvSpPr>
@@ -20166,7 +20108,7 @@
       </p:sp>
       <p:sp>
         <p:nvSpPr>
-          <p:cNvPr id="204" name="Google Shape;204;p22"/>
+          <p:cNvPr id="202" name="Google Shape;202;p22"/>
           <p:cNvSpPr txBox="1"/>
           <p:nvPr>
             <p:ph idx="1" type="body"/>
@@ -20241,7 +20183,7 @@
       </p:sp>
       <p:sp>
         <p:nvSpPr>
-          <p:cNvPr id="205" name="Google Shape;205;p22"/>
+          <p:cNvPr id="203" name="Google Shape;203;p22"/>
           <p:cNvSpPr/>
           <p:nvPr/>
         </p:nvSpPr>
@@ -20290,7 +20232,7 @@
       </p:sp>
       <p:sp>
         <p:nvSpPr>
-          <p:cNvPr id="206" name="Google Shape;206;p22"/>
+          <p:cNvPr id="204" name="Google Shape;204;p22"/>
           <p:cNvSpPr/>
           <p:nvPr/>
         </p:nvSpPr>
@@ -20339,7 +20281,7 @@
       </p:sp>
       <p:sp>
         <p:nvSpPr>
-          <p:cNvPr id="207" name="Google Shape;207;p22"/>
+          <p:cNvPr id="205" name="Google Shape;205;p22"/>
           <p:cNvSpPr txBox="1"/>
           <p:nvPr>
             <p:ph idx="1" type="body"/>
@@ -20429,7 +20371,7 @@
   <p:cSld>
     <p:spTree>
       <p:nvGrpSpPr>
-        <p:cNvPr id="211" name="Shape 211"/>
+        <p:cNvPr id="209" name="Shape 209"/>
         <p:cNvGrpSpPr/>
         <p:nvPr/>
       </p:nvGrpSpPr>
@@ -20443,7 +20385,7 @@
       </p:grpSpPr>
       <p:sp>
         <p:nvSpPr>
-          <p:cNvPr id="212" name="Google Shape;212;p23"/>
+          <p:cNvPr id="210" name="Google Shape;210;p23"/>
           <p:cNvSpPr txBox="1"/>
           <p:nvPr>
             <p:ph type="title"/>
@@ -20483,7 +20425,7 @@
       </p:sp>
       <p:sp>
         <p:nvSpPr>
-          <p:cNvPr id="213" name="Google Shape;213;p23"/>
+          <p:cNvPr id="211" name="Google Shape;211;p23"/>
           <p:cNvSpPr txBox="1"/>
           <p:nvPr>
             <p:ph idx="1" type="body"/>
@@ -20546,7 +20488,7 @@
       </p:sp>
       <p:pic>
         <p:nvPicPr>
-          <p:cNvPr id="214" name="Google Shape;214;p23"/>
+          <p:cNvPr id="212" name="Google Shape;212;p23"/>
           <p:cNvPicPr preferRelativeResize="0"/>
           <p:nvPr/>
         </p:nvPicPr>
@@ -20574,7 +20516,7 @@
       </p:pic>
       <p:pic>
         <p:nvPicPr>
-          <p:cNvPr id="215" name="Google Shape;215;p23"/>
+          <p:cNvPr id="213" name="Google Shape;213;p23"/>
           <p:cNvPicPr preferRelativeResize="0"/>
           <p:nvPr/>
         </p:nvPicPr>
@@ -20612,7 +20554,7 @@
   <p:cSld>
     <p:spTree>
       <p:nvGrpSpPr>
-        <p:cNvPr id="219" name="Shape 219"/>
+        <p:cNvPr id="217" name="Shape 217"/>
         <p:cNvGrpSpPr/>
         <p:nvPr/>
       </p:nvGrpSpPr>
@@ -20626,7 +20568,7 @@
       </p:grpSpPr>
       <p:sp>
         <p:nvSpPr>
-          <p:cNvPr id="220" name="Google Shape;220;p24"/>
+          <p:cNvPr id="218" name="Google Shape;218;p24"/>
           <p:cNvSpPr txBox="1"/>
           <p:nvPr>
             <p:ph idx="1" type="body"/>
@@ -20720,7 +20662,7 @@
       </p:sp>
       <p:sp>
         <p:nvSpPr>
-          <p:cNvPr id="221" name="Google Shape;221;p24"/>
+          <p:cNvPr id="219" name="Google Shape;219;p24"/>
           <p:cNvSpPr txBox="1"/>
           <p:nvPr>
             <p:ph type="title"/>
@@ -20764,7 +20706,7 @@
       </p:sp>
       <p:sp>
         <p:nvSpPr>
-          <p:cNvPr id="222" name="Google Shape;222;p24"/>
+          <p:cNvPr id="220" name="Google Shape;220;p24"/>
           <p:cNvSpPr txBox="1"/>
           <p:nvPr>
             <p:ph idx="1" type="body"/>
@@ -20850,7 +20792,7 @@
       </p:sp>
       <p:pic>
         <p:nvPicPr>
-          <p:cNvPr id="223" name="Google Shape;223;p24"/>
+          <p:cNvPr id="221" name="Google Shape;221;p24"/>
           <p:cNvPicPr preferRelativeResize="0"/>
           <p:nvPr/>
         </p:nvPicPr>
@@ -20878,7 +20820,7 @@
       </p:pic>
       <p:sp>
         <p:nvSpPr>
-          <p:cNvPr id="224" name="Google Shape;224;p24"/>
+          <p:cNvPr id="222" name="Google Shape;222;p24"/>
           <p:cNvSpPr/>
           <p:nvPr/>
         </p:nvSpPr>
@@ -20932,6 +20874,285 @@
 </file>
 
 <file path=ppt/theme/theme1.xml><?xml version="1.0" encoding="utf-8"?>
+<a:theme xmlns:a="http://schemas.openxmlformats.org/drawingml/2006/main" xmlns:r="http://schemas.openxmlformats.org/officeDocument/2006/relationships">
+  <a:themeElements>
+    <a:clrScheme name="Default">
+      <a:dk1>
+        <a:srgbClr val="000000"/>
+      </a:dk1>
+      <a:lt1>
+        <a:srgbClr val="FFFFFF"/>
+      </a:lt1>
+      <a:dk2>
+        <a:srgbClr val="158158"/>
+      </a:dk2>
+      <a:lt2>
+        <a:srgbClr val="F3F3F3"/>
+      </a:lt2>
+      <a:accent1>
+        <a:srgbClr val="058DC7"/>
+      </a:accent1>
+      <a:accent2>
+        <a:srgbClr val="50B432"/>
+      </a:accent2>
+      <a:accent3>
+        <a:srgbClr val="ED561B"/>
+      </a:accent3>
+      <a:accent4>
+        <a:srgbClr val="EDEF00"/>
+      </a:accent4>
+      <a:accent5>
+        <a:srgbClr val="24CBE5"/>
+      </a:accent5>
+      <a:accent6>
+        <a:srgbClr val="64E572"/>
+      </a:accent6>
+      <a:hlink>
+        <a:srgbClr val="2200CC"/>
+      </a:hlink>
+      <a:folHlink>
+        <a:srgbClr val="551A8B"/>
+      </a:folHlink>
+    </a:clrScheme>
+    <a:fontScheme name="Office">
+      <a:majorFont>
+        <a:latin typeface="Arial"/>
+        <a:ea typeface=""/>
+        <a:cs typeface=""/>
+        <a:font script="Jpan" typeface="ＭＳ Ｐゴシック"/>
+        <a:font script="Hang" typeface="맑은 고딕"/>
+        <a:font script="Hans" typeface="宋体"/>
+        <a:font script="Hant" typeface="新細明體"/>
+        <a:font script="Arab" typeface="Times New Roman"/>
+        <a:font script="Hebr" typeface="Times New Roman"/>
+        <a:font script="Thai" typeface="Angsana New"/>
+        <a:font script="Ethi" typeface="Nyala"/>
+        <a:font script="Beng" typeface="Vrinda"/>
+        <a:font script="Gujr" typeface="Shruti"/>
+        <a:font script="Khmr" typeface="MoolBoran"/>
+        <a:font script="Knda" typeface="Tunga"/>
+        <a:font script="Guru" typeface="Raavi"/>
+        <a:font script="Cans" typeface="Euphemia"/>
+        <a:font script="Cher" typeface="Plantagenet Cherokee"/>
+        <a:font script="Yiii" typeface="Microsoft Yi Baiti"/>
+        <a:font script="Tibt" typeface="Microsoft Himalaya"/>
+        <a:font script="Thaa" typeface="MV Boli"/>
+        <a:font script="Deva" typeface="Mangal"/>
+        <a:font script="Telu" typeface="Gautami"/>
+        <a:font script="Taml" typeface="Latha"/>
+        <a:font script="Syrc" typeface="Estrangelo Edessa"/>
+        <a:font script="Orya" typeface="Kalinga"/>
+        <a:font script="Mlym" typeface="Kartika"/>
+        <a:font script="Laoo" typeface="DokChampa"/>
+        <a:font script="Sinh" typeface="Iskoola Pota"/>
+        <a:font script="Mong" typeface="Mongolian Baiti"/>
+        <a:font script="Viet" typeface="Times New Roman"/>
+        <a:font script="Uigh" typeface="Microsoft Uighur"/>
+        <a:font script="Geor" typeface="Sylfaen"/>
+      </a:majorFont>
+      <a:minorFont>
+        <a:latin typeface="Arial"/>
+        <a:ea typeface=""/>
+        <a:cs typeface=""/>
+        <a:font script="Jpan" typeface="ＭＳ Ｐゴシック"/>
+        <a:font script="Hang" typeface="맑은 고딕"/>
+        <a:font script="Hans" typeface="宋体"/>
+        <a:font script="Hant" typeface="新細明體"/>
+        <a:font script="Arab" typeface="Arial"/>
+        <a:font script="Hebr" typeface="Arial"/>
+        <a:font script="Thai" typeface="Cordia New"/>
+        <a:font script="Ethi" typeface="Nyala"/>
+        <a:font script="Beng" typeface="Vrinda"/>
+        <a:font script="Gujr" typeface="Shruti"/>
+        <a:font script="Khmr" typeface="DaunPenh"/>
+        <a:font script="Knda" typeface="Tunga"/>
+        <a:font script="Guru" typeface="Raavi"/>
+        <a:font script="Cans" typeface="Euphemia"/>
+        <a:font script="Cher" typeface="Plantagenet Cherokee"/>
+        <a:font script="Yiii" typeface="Microsoft Yi Baiti"/>
+        <a:font script="Tibt" typeface="Microsoft Himalaya"/>
+        <a:font script="Thaa" typeface="MV Boli"/>
+        <a:font script="Deva" typeface="Mangal"/>
+        <a:font script="Telu" typeface="Gautami"/>
+        <a:font script="Taml" typeface="Latha"/>
+        <a:font script="Syrc" typeface="Estrangelo Edessa"/>
+        <a:font script="Orya" typeface="Kalinga"/>
+        <a:font script="Mlym" typeface="Kartika"/>
+        <a:font script="Laoo" typeface="DokChampa"/>
+        <a:font script="Sinh" typeface="Iskoola Pota"/>
+        <a:font script="Mong" typeface="Mongolian Baiti"/>
+        <a:font script="Viet" typeface="Arial"/>
+        <a:font script="Uigh" typeface="Microsoft Uighur"/>
+        <a:font script="Geor" typeface="Sylfaen"/>
+      </a:minorFont>
+    </a:fontScheme>
+    <a:fmtScheme name="Office">
+      <a:fillStyleLst>
+        <a:solidFill>
+          <a:schemeClr val="phClr"/>
+        </a:solidFill>
+        <a:gradFill rotWithShape="1">
+          <a:gsLst>
+            <a:gs pos="0">
+              <a:schemeClr val="phClr">
+                <a:tint val="50000"/>
+                <a:satMod val="300000"/>
+              </a:schemeClr>
+            </a:gs>
+            <a:gs pos="35000">
+              <a:schemeClr val="phClr">
+                <a:tint val="37000"/>
+                <a:satMod val="300000"/>
+              </a:schemeClr>
+            </a:gs>
+            <a:gs pos="100000">
+              <a:schemeClr val="phClr">
+                <a:tint val="15000"/>
+                <a:satMod val="350000"/>
+              </a:schemeClr>
+            </a:gs>
+          </a:gsLst>
+          <a:lin ang="16200000" scaled="1"/>
+        </a:gradFill>
+        <a:gradFill rotWithShape="1">
+          <a:gsLst>
+            <a:gs pos="0">
+              <a:schemeClr val="phClr">
+                <a:tint val="100000"/>
+                <a:shade val="100000"/>
+                <a:satMod val="130000"/>
+              </a:schemeClr>
+            </a:gs>
+            <a:gs pos="100000">
+              <a:schemeClr val="phClr">
+                <a:tint val="50000"/>
+                <a:shade val="100000"/>
+                <a:satMod val="350000"/>
+              </a:schemeClr>
+            </a:gs>
+          </a:gsLst>
+          <a:lin ang="16200000" scaled="0"/>
+        </a:gradFill>
+      </a:fillStyleLst>
+      <a:lnStyleLst>
+        <a:ln w="9525" cap="flat" cmpd="sng" algn="ctr">
+          <a:solidFill>
+            <a:schemeClr val="phClr">
+              <a:shade val="95000"/>
+              <a:satMod val="105000"/>
+            </a:schemeClr>
+          </a:solidFill>
+          <a:prstDash val="solid"/>
+        </a:ln>
+        <a:ln w="25400" cap="flat" cmpd="sng" algn="ctr">
+          <a:solidFill>
+            <a:schemeClr val="phClr"/>
+          </a:solidFill>
+          <a:prstDash val="solid"/>
+        </a:ln>
+        <a:ln w="38100" cap="flat" cmpd="sng" algn="ctr">
+          <a:solidFill>
+            <a:schemeClr val="phClr"/>
+          </a:solidFill>
+          <a:prstDash val="solid"/>
+        </a:ln>
+      </a:lnStyleLst>
+      <a:effectStyleLst>
+        <a:effectStyle>
+          <a:effectLst>
+            <a:outerShdw blurRad="40000" dist="20000" dir="5400000" rotWithShape="0">
+              <a:srgbClr val="000000">
+                <a:alpha val="38000"/>
+              </a:srgbClr>
+            </a:outerShdw>
+          </a:effectLst>
+        </a:effectStyle>
+        <a:effectStyle>
+          <a:effectLst>
+            <a:outerShdw blurRad="40000" dist="23000" dir="5400000" rotWithShape="0">
+              <a:srgbClr val="000000">
+                <a:alpha val="35000"/>
+              </a:srgbClr>
+            </a:outerShdw>
+          </a:effectLst>
+        </a:effectStyle>
+        <a:effectStyle>
+          <a:effectLst>
+            <a:outerShdw blurRad="40000" dist="23000" dir="5400000" rotWithShape="0">
+              <a:srgbClr val="000000">
+                <a:alpha val="35000"/>
+              </a:srgbClr>
+            </a:outerShdw>
+          </a:effectLst>
+          <a:scene3d>
+            <a:camera prst="orthographicFront">
+              <a:rot lat="0" lon="0" rev="0"/>
+            </a:camera>
+            <a:lightRig rig="threePt" dir="t">
+              <a:rot lat="0" lon="0" rev="1200000"/>
+            </a:lightRig>
+          </a:scene3d>
+          <a:sp3d>
+            <a:bevelT w="63500" h="25400"/>
+          </a:sp3d>
+        </a:effectStyle>
+      </a:effectStyleLst>
+      <a:bgFillStyleLst>
+        <a:solidFill>
+          <a:schemeClr val="phClr"/>
+        </a:solidFill>
+        <a:gradFill rotWithShape="1">
+          <a:gsLst>
+            <a:gs pos="0">
+              <a:schemeClr val="phClr">
+                <a:tint val="40000"/>
+                <a:satMod val="350000"/>
+              </a:schemeClr>
+            </a:gs>
+            <a:gs pos="40000">
+              <a:schemeClr val="phClr">
+                <a:tint val="45000"/>
+                <a:shade val="99000"/>
+                <a:satMod val="350000"/>
+              </a:schemeClr>
+            </a:gs>
+            <a:gs pos="100000">
+              <a:schemeClr val="phClr">
+                <a:shade val="20000"/>
+                <a:satMod val="255000"/>
+              </a:schemeClr>
+            </a:gs>
+          </a:gsLst>
+          <a:path path="circle">
+            <a:fillToRect l="50000" t="-80000" r="50000" b="180000"/>
+          </a:path>
+        </a:gradFill>
+        <a:gradFill rotWithShape="1">
+          <a:gsLst>
+            <a:gs pos="0">
+              <a:schemeClr val="phClr">
+                <a:tint val="80000"/>
+                <a:satMod val="300000"/>
+              </a:schemeClr>
+            </a:gs>
+            <a:gs pos="100000">
+              <a:schemeClr val="phClr">
+                <a:shade val="30000"/>
+                <a:satMod val="200000"/>
+              </a:schemeClr>
+            </a:gs>
+          </a:gsLst>
+          <a:path path="circle">
+            <a:fillToRect l="50000" t="50000" r="50000" b="50000"/>
+          </a:path>
+        </a:gradFill>
+      </a:bgFillStyleLst>
+    </a:fmtScheme>
+  </a:themeElements>
+</a:theme>
+</file>
+
+<file path=ppt/theme/theme2.xml><?xml version="1.0" encoding="utf-8"?>
 <a:theme xmlns:a="http://schemas.openxmlformats.org/drawingml/2006/main" xmlns:r="http://schemas.openxmlformats.org/officeDocument/2006/relationships" name="Simple Light">
   <a:themeElements>
     <a:clrScheme name="Simple Light">
@@ -21208,283 +21429,4 @@
     </a:fmtScheme>
   </a:themeElements>
 </a:theme>
-</file>
-
-<file path=ppt/theme/theme2.xml><?xml version="1.0" encoding="utf-8"?>
-<a:theme xmlns:a="http://schemas.openxmlformats.org/drawingml/2006/main" xmlns:r="http://schemas.openxmlformats.org/officeDocument/2006/relationships">
-  <a:themeElements>
-    <a:clrScheme name="Default">
-      <a:dk1>
-        <a:srgbClr val="000000"/>
-      </a:dk1>
-      <a:lt1>
-        <a:srgbClr val="FFFFFF"/>
-      </a:lt1>
-      <a:dk2>
-        <a:srgbClr val="158158"/>
-      </a:dk2>
-      <a:lt2>
-        <a:srgbClr val="F3F3F3"/>
-      </a:lt2>
-      <a:accent1>
-        <a:srgbClr val="058DC7"/>
-      </a:accent1>
-      <a:accent2>
-        <a:srgbClr val="50B432"/>
-      </a:accent2>
-      <a:accent3>
-        <a:srgbClr val="ED561B"/>
-      </a:accent3>
-      <a:accent4>
-        <a:srgbClr val="EDEF00"/>
-      </a:accent4>
-      <a:accent5>
-        <a:srgbClr val="24CBE5"/>
-      </a:accent5>
-      <a:accent6>
-        <a:srgbClr val="64E572"/>
-      </a:accent6>
-      <a:hlink>
-        <a:srgbClr val="2200CC"/>
-      </a:hlink>
-      <a:folHlink>
-        <a:srgbClr val="551A8B"/>
-      </a:folHlink>
-    </a:clrScheme>
-    <a:fontScheme name="Office">
-      <a:majorFont>
-        <a:latin typeface="Arial"/>
-        <a:ea typeface=""/>
-        <a:cs typeface=""/>
-        <a:font script="Jpan" typeface="ＭＳ Ｐゴシック"/>
-        <a:font script="Hang" typeface="맑은 고딕"/>
-        <a:font script="Hans" typeface="宋体"/>
-        <a:font script="Hant" typeface="新細明體"/>
-        <a:font script="Arab" typeface="Times New Roman"/>
-        <a:font script="Hebr" typeface="Times New Roman"/>
-        <a:font script="Thai" typeface="Angsana New"/>
-        <a:font script="Ethi" typeface="Nyala"/>
-        <a:font script="Beng" typeface="Vrinda"/>
-        <a:font script="Gujr" typeface="Shruti"/>
-        <a:font script="Khmr" typeface="MoolBoran"/>
-        <a:font script="Knda" typeface="Tunga"/>
-        <a:font script="Guru" typeface="Raavi"/>
-        <a:font script="Cans" typeface="Euphemia"/>
-        <a:font script="Cher" typeface="Plantagenet Cherokee"/>
-        <a:font script="Yiii" typeface="Microsoft Yi Baiti"/>
-        <a:font script="Tibt" typeface="Microsoft Himalaya"/>
-        <a:font script="Thaa" typeface="MV Boli"/>
-        <a:font script="Deva" typeface="Mangal"/>
-        <a:font script="Telu" typeface="Gautami"/>
-        <a:font script="Taml" typeface="Latha"/>
-        <a:font script="Syrc" typeface="Estrangelo Edessa"/>
-        <a:font script="Orya" typeface="Kalinga"/>
-        <a:font script="Mlym" typeface="Kartika"/>
-        <a:font script="Laoo" typeface="DokChampa"/>
-        <a:font script="Sinh" typeface="Iskoola Pota"/>
-        <a:font script="Mong" typeface="Mongolian Baiti"/>
-        <a:font script="Viet" typeface="Times New Roman"/>
-        <a:font script="Uigh" typeface="Microsoft Uighur"/>
-        <a:font script="Geor" typeface="Sylfaen"/>
-      </a:majorFont>
-      <a:minorFont>
-        <a:latin typeface="Arial"/>
-        <a:ea typeface=""/>
-        <a:cs typeface=""/>
-        <a:font script="Jpan" typeface="ＭＳ Ｐゴシック"/>
-        <a:font script="Hang" typeface="맑은 고딕"/>
-        <a:font script="Hans" typeface="宋体"/>
-        <a:font script="Hant" typeface="新細明體"/>
-        <a:font script="Arab" typeface="Arial"/>
-        <a:font script="Hebr" typeface="Arial"/>
-        <a:font script="Thai" typeface="Cordia New"/>
-        <a:font script="Ethi" typeface="Nyala"/>
-        <a:font script="Beng" typeface="Vrinda"/>
-        <a:font script="Gujr" typeface="Shruti"/>
-        <a:font script="Khmr" typeface="DaunPenh"/>
-        <a:font script="Knda" typeface="Tunga"/>
-        <a:font script="Guru" typeface="Raavi"/>
-        <a:font script="Cans" typeface="Euphemia"/>
-        <a:font script="Cher" typeface="Plantagenet Cherokee"/>
-        <a:font script="Yiii" typeface="Microsoft Yi Baiti"/>
-        <a:font script="Tibt" typeface="Microsoft Himalaya"/>
-        <a:font script="Thaa" typeface="MV Boli"/>
-        <a:font script="Deva" typeface="Mangal"/>
-        <a:font script="Telu" typeface="Gautami"/>
-        <a:font script="Taml" typeface="Latha"/>
-        <a:font script="Syrc" typeface="Estrangelo Edessa"/>
-        <a:font script="Orya" typeface="Kalinga"/>
-        <a:font script="Mlym" typeface="Kartika"/>
-        <a:font script="Laoo" typeface="DokChampa"/>
-        <a:font script="Sinh" typeface="Iskoola Pota"/>
-        <a:font script="Mong" typeface="Mongolian Baiti"/>
-        <a:font script="Viet" typeface="Arial"/>
-        <a:font script="Uigh" typeface="Microsoft Uighur"/>
-        <a:font script="Geor" typeface="Sylfaen"/>
-      </a:minorFont>
-    </a:fontScheme>
-    <a:fmtScheme name="Office">
-      <a:fillStyleLst>
-        <a:solidFill>
-          <a:schemeClr val="phClr"/>
-        </a:solidFill>
-        <a:gradFill rotWithShape="1">
-          <a:gsLst>
-            <a:gs pos="0">
-              <a:schemeClr val="phClr">
-                <a:tint val="50000"/>
-                <a:satMod val="300000"/>
-              </a:schemeClr>
-            </a:gs>
-            <a:gs pos="35000">
-              <a:schemeClr val="phClr">
-                <a:tint val="37000"/>
-                <a:satMod val="300000"/>
-              </a:schemeClr>
-            </a:gs>
-            <a:gs pos="100000">
-              <a:schemeClr val="phClr">
-                <a:tint val="15000"/>
-                <a:satMod val="350000"/>
-              </a:schemeClr>
-            </a:gs>
-          </a:gsLst>
-          <a:lin ang="16200000" scaled="1"/>
-        </a:gradFill>
-        <a:gradFill rotWithShape="1">
-          <a:gsLst>
-            <a:gs pos="0">
-              <a:schemeClr val="phClr">
-                <a:tint val="100000"/>
-                <a:shade val="100000"/>
-                <a:satMod val="130000"/>
-              </a:schemeClr>
-            </a:gs>
-            <a:gs pos="100000">
-              <a:schemeClr val="phClr">
-                <a:tint val="50000"/>
-                <a:shade val="100000"/>
-                <a:satMod val="350000"/>
-              </a:schemeClr>
-            </a:gs>
-          </a:gsLst>
-          <a:lin ang="16200000" scaled="0"/>
-        </a:gradFill>
-      </a:fillStyleLst>
-      <a:lnStyleLst>
-        <a:ln w="9525" cap="flat" cmpd="sng" algn="ctr">
-          <a:solidFill>
-            <a:schemeClr val="phClr">
-              <a:shade val="95000"/>
-              <a:satMod val="105000"/>
-            </a:schemeClr>
-          </a:solidFill>
-          <a:prstDash val="solid"/>
-        </a:ln>
-        <a:ln w="25400" cap="flat" cmpd="sng" algn="ctr">
-          <a:solidFill>
-            <a:schemeClr val="phClr"/>
-          </a:solidFill>
-          <a:prstDash val="solid"/>
-        </a:ln>
-        <a:ln w="38100" cap="flat" cmpd="sng" algn="ctr">
-          <a:solidFill>
-            <a:schemeClr val="phClr"/>
-          </a:solidFill>
-          <a:prstDash val="solid"/>
-        </a:ln>
-      </a:lnStyleLst>
-      <a:effectStyleLst>
-        <a:effectStyle>
-          <a:effectLst>
-            <a:outerShdw blurRad="40000" dist="20000" dir="5400000" rotWithShape="0">
-              <a:srgbClr val="000000">
-                <a:alpha val="38000"/>
-              </a:srgbClr>
-            </a:outerShdw>
-          </a:effectLst>
-        </a:effectStyle>
-        <a:effectStyle>
-          <a:effectLst>
-            <a:outerShdw blurRad="40000" dist="23000" dir="5400000" rotWithShape="0">
-              <a:srgbClr val="000000">
-                <a:alpha val="35000"/>
-              </a:srgbClr>
-            </a:outerShdw>
-          </a:effectLst>
-        </a:effectStyle>
-        <a:effectStyle>
-          <a:effectLst>
-            <a:outerShdw blurRad="40000" dist="23000" dir="5400000" rotWithShape="0">
-              <a:srgbClr val="000000">
-                <a:alpha val="35000"/>
-              </a:srgbClr>
-            </a:outerShdw>
-          </a:effectLst>
-          <a:scene3d>
-            <a:camera prst="orthographicFront">
-              <a:rot lat="0" lon="0" rev="0"/>
-            </a:camera>
-            <a:lightRig rig="threePt" dir="t">
-              <a:rot lat="0" lon="0" rev="1200000"/>
-            </a:lightRig>
-          </a:scene3d>
-          <a:sp3d>
-            <a:bevelT w="63500" h="25400"/>
-          </a:sp3d>
-        </a:effectStyle>
-      </a:effectStyleLst>
-      <a:bgFillStyleLst>
-        <a:solidFill>
-          <a:schemeClr val="phClr"/>
-        </a:solidFill>
-        <a:gradFill rotWithShape="1">
-          <a:gsLst>
-            <a:gs pos="0">
-              <a:schemeClr val="phClr">
-                <a:tint val="40000"/>
-                <a:satMod val="350000"/>
-              </a:schemeClr>
-            </a:gs>
-            <a:gs pos="40000">
-              <a:schemeClr val="phClr">
-                <a:tint val="45000"/>
-                <a:shade val="99000"/>
-                <a:satMod val="350000"/>
-              </a:schemeClr>
-            </a:gs>
-            <a:gs pos="100000">
-              <a:schemeClr val="phClr">
-                <a:shade val="20000"/>
-                <a:satMod val="255000"/>
-              </a:schemeClr>
-            </a:gs>
-          </a:gsLst>
-          <a:path path="circle">
-            <a:fillToRect l="50000" t="-80000" r="50000" b="180000"/>
-          </a:path>
-        </a:gradFill>
-        <a:gradFill rotWithShape="1">
-          <a:gsLst>
-            <a:gs pos="0">
-              <a:schemeClr val="phClr">
-                <a:tint val="80000"/>
-                <a:satMod val="300000"/>
-              </a:schemeClr>
-            </a:gs>
-            <a:gs pos="100000">
-              <a:schemeClr val="phClr">
-                <a:shade val="30000"/>
-                <a:satMod val="200000"/>
-              </a:schemeClr>
-            </a:gs>
-          </a:gsLst>
-          <a:path path="circle">
-            <a:fillToRect l="50000" t="50000" r="50000" b="50000"/>
-          </a:path>
-        </a:gradFill>
-      </a:bgFillStyleLst>
-    </a:fmtScheme>
-  </a:themeElements>
-</a:theme>
 </file>